--- a/FW/Tuan/Week 4/Powerpoint tuần 4/AT Command.pptx
+++ b/FW/Tuan/Week 4/Powerpoint tuần 4/AT Command.pptx
@@ -221,7 +221,7 @@
           <a:p>
             <a:fld id="{BE921E71-55FB-4F70-BA64-7E87629B9540}" type="datetimeFigureOut">
               <a:rPr lang="en-US" smtClean="0"/>
-              <a:t>8/11/2020</a:t>
+              <a:t>8/23/2020</a:t>
             </a:fld>
             <a:endParaRPr lang="en-US"/>
           </a:p>
@@ -285,38 +285,37 @@
           <a:p>
             <a:pPr lvl="0"/>
             <a:r>
-              <a:rPr lang="en-US" smtClean="0"/>
+              <a:rPr lang="en-US"/>
               <a:t>Edit Master text styles</a:t>
             </a:r>
           </a:p>
           <a:p>
             <a:pPr lvl="1"/>
             <a:r>
-              <a:rPr lang="en-US" smtClean="0"/>
+              <a:rPr lang="en-US"/>
               <a:t>Second level</a:t>
             </a:r>
           </a:p>
           <a:p>
             <a:pPr lvl="2"/>
             <a:r>
-              <a:rPr lang="en-US" smtClean="0"/>
+              <a:rPr lang="en-US"/>
               <a:t>Third level</a:t>
             </a:r>
           </a:p>
           <a:p>
             <a:pPr lvl="3"/>
             <a:r>
-              <a:rPr lang="en-US" smtClean="0"/>
+              <a:rPr lang="en-US"/>
               <a:t>Fourth level</a:t>
             </a:r>
           </a:p>
           <a:p>
             <a:pPr lvl="4"/>
             <a:r>
-              <a:rPr lang="en-US" smtClean="0"/>
+              <a:rPr lang="en-US"/>
               <a:t>Fifth level</a:t>
             </a:r>
-            <a:endParaRPr lang="en-US"/>
           </a:p>
         </p:txBody>
       </p:sp>
@@ -560,13 +559,6 @@
   <p:clrMapOvr>
     <a:masterClrMapping/>
   </p:clrMapOvr>
-  <p:timing>
-    <p:tnLst>
-      <p:par>
-        <p:cTn id="1" dur="indefinite" restart="never" nodeType="tmRoot"/>
-      </p:par>
-    </p:tnLst>
-  </p:timing>
 </p:sldLayout>
 </file>
 
@@ -675,17 +667,16 @@
           </a:lstStyle>
           <a:p>
             <a:r>
-              <a:rPr lang="en-US" dirty="0" smtClean="0"/>
+              <a:rPr lang="en-US" dirty="0"/>
               <a:t>Headline here</a:t>
             </a:r>
             <a:br>
-              <a:rPr lang="en-US" dirty="0" smtClean="0"/>
+              <a:rPr lang="en-US" dirty="0"/>
             </a:br>
             <a:r>
-              <a:rPr lang="en-US" dirty="0" smtClean="0"/>
+              <a:rPr lang="en-US" dirty="0"/>
               <a:t>Content</a:t>
             </a:r>
-            <a:endParaRPr lang="en-US" dirty="0"/>
           </a:p>
         </p:txBody>
       </p:sp>
@@ -718,10 +709,9 @@
           </a:lstStyle>
           <a:p>
             <a:r>
-              <a:rPr lang="en-US" smtClean="0"/>
+              <a:rPr lang="en-US"/>
               <a:t>www.indruino.com</a:t>
             </a:r>
-            <a:endParaRPr lang="en-US"/>
           </a:p>
         </p:txBody>
       </p:sp>
@@ -789,16 +779,15 @@
           </a:lstStyle>
           <a:p>
             <a:r>
-              <a:rPr lang="en-US" dirty="0" smtClean="0"/>
+              <a:rPr lang="en-US" dirty="0"/>
               <a:t>Subhead here</a:t>
             </a:r>
           </a:p>
           <a:p>
             <a:r>
-              <a:rPr lang="en-US" dirty="0" smtClean="0"/>
+              <a:rPr lang="en-US" dirty="0"/>
               <a:t>Content</a:t>
             </a:r>
-            <a:endParaRPr lang="en-US" dirty="0"/>
           </a:p>
         </p:txBody>
       </p:sp>
@@ -1019,7 +1008,7 @@
           </a:lstStyle>
           <a:p>
             <a:r>
-              <a:rPr lang="en-US" err="1" smtClean="0">
+              <a:rPr lang="en-US" err="1">
                 <a:solidFill>
                   <a:schemeClr val="bg1"/>
                 </a:solidFill>
@@ -1027,7 +1016,7 @@
               <a:t>Diễn</a:t>
             </a:r>
             <a:r>
-              <a:rPr lang="en-US" smtClean="0">
+              <a:rPr lang="en-US">
                 <a:solidFill>
                   <a:schemeClr val="bg1"/>
                 </a:solidFill>
@@ -1035,7 +1024,7 @@
               <a:t> </a:t>
             </a:r>
             <a:r>
-              <a:rPr lang="en-US" err="1" smtClean="0">
+              <a:rPr lang="en-US" err="1">
                 <a:solidFill>
                   <a:schemeClr val="bg1"/>
                 </a:solidFill>
@@ -1043,7 +1032,7 @@
               <a:t>giả</a:t>
             </a:r>
             <a:r>
-              <a:rPr lang="en-US" smtClean="0">
+              <a:rPr lang="en-US">
                 <a:solidFill>
                   <a:schemeClr val="bg1"/>
                 </a:solidFill>
@@ -1051,14 +1040,14 @@
               <a:t>: </a:t>
             </a:r>
             <a:r>
-              <a:rPr lang="en-US" err="1" smtClean="0">
+              <a:rPr lang="en-US" err="1">
                 <a:solidFill>
                   <a:schemeClr val="bg1"/>
                 </a:solidFill>
               </a:rPr>
               <a:t>Indruino</a:t>
             </a:r>
-            <a:endParaRPr lang="en-US" smtClean="0">
+            <a:endParaRPr lang="en-US">
               <a:solidFill>
                 <a:schemeClr val="bg1"/>
               </a:solidFill>
@@ -1066,7 +1055,7 @@
           </a:p>
           <a:p>
             <a:r>
-              <a:rPr lang="en-US" err="1" smtClean="0">
+              <a:rPr lang="en-US" err="1">
                 <a:solidFill>
                   <a:schemeClr val="bg1"/>
                 </a:solidFill>
@@ -1074,7 +1063,7 @@
               <a:t>Bộ</a:t>
             </a:r>
             <a:r>
-              <a:rPr lang="en-US" smtClean="0">
+              <a:rPr lang="en-US">
                 <a:solidFill>
                   <a:schemeClr val="bg1"/>
                 </a:solidFill>
@@ -1082,7 +1071,7 @@
               <a:t> </a:t>
             </a:r>
             <a:r>
-              <a:rPr lang="en-US" err="1" smtClean="0">
+              <a:rPr lang="en-US" err="1">
                 <a:solidFill>
                   <a:schemeClr val="bg1"/>
                 </a:solidFill>
@@ -1090,7 +1079,7 @@
               <a:t>phận</a:t>
             </a:r>
             <a:r>
-              <a:rPr lang="en-US" smtClean="0">
+              <a:rPr lang="en-US">
                 <a:solidFill>
                   <a:schemeClr val="bg1"/>
                 </a:solidFill>
@@ -1098,7 +1087,7 @@
               <a:t>: </a:t>
             </a:r>
             <a:r>
-              <a:rPr lang="en-US" err="1" smtClean="0">
+              <a:rPr lang="en-US" err="1">
                 <a:solidFill>
                   <a:schemeClr val="bg1"/>
                 </a:solidFill>
@@ -1166,13 +1155,6 @@
   <p:clrMapOvr>
     <a:masterClrMapping/>
   </p:clrMapOvr>
-  <p:timing>
-    <p:tnLst>
-      <p:par>
-        <p:cTn id="1" dur="indefinite" restart="never" nodeType="tmRoot"/>
-      </p:par>
-    </p:tnLst>
-  </p:timing>
 </p:sldLayout>
 </file>
 
@@ -1220,10 +1202,9 @@
           </a:lstStyle>
           <a:p>
             <a:r>
-              <a:rPr lang="en-US" dirty="0" smtClean="0"/>
+              <a:rPr lang="en-US" dirty="0"/>
               <a:t>Title here</a:t>
             </a:r>
-            <a:endParaRPr lang="en-US" dirty="0"/>
           </a:p>
         </p:txBody>
       </p:sp>
@@ -1287,7 +1268,7 @@
           </a:lstStyle>
           <a:p>
             <a:r>
-              <a:rPr lang="en-US" dirty="0" smtClean="0"/>
+              <a:rPr lang="en-US" dirty="0"/>
               <a:t>Subtitle here</a:t>
             </a:r>
           </a:p>
@@ -1580,7 +1561,7 @@
           <a:p>
             <a:pPr lvl="0"/>
             <a:r>
-              <a:rPr lang="en-US" dirty="0" smtClean="0"/>
+              <a:rPr lang="en-US" dirty="0"/>
               <a:t>Content Here</a:t>
             </a:r>
           </a:p>
@@ -1596,13 +1577,6 @@
   <p:clrMapOvr>
     <a:masterClrMapping/>
   </p:clrMapOvr>
-  <p:timing>
-    <p:tnLst>
-      <p:par>
-        <p:cTn id="1" dur="indefinite" restart="never" nodeType="tmRoot"/>
-      </p:par>
-    </p:tnLst>
-  </p:timing>
 </p:sldLayout>
 </file>
 
@@ -1650,10 +1624,9 @@
           </a:lstStyle>
           <a:p>
             <a:r>
-              <a:rPr lang="en-US" dirty="0" smtClean="0"/>
+              <a:rPr lang="en-US" dirty="0"/>
               <a:t>Title here</a:t>
             </a:r>
-            <a:endParaRPr lang="en-US" dirty="0"/>
           </a:p>
         </p:txBody>
       </p:sp>
@@ -1717,7 +1690,7 @@
           </a:lstStyle>
           <a:p>
             <a:r>
-              <a:rPr lang="en-US" dirty="0" smtClean="0"/>
+              <a:rPr lang="en-US" dirty="0"/>
               <a:t>Subtitle here</a:t>
             </a:r>
           </a:p>
@@ -1949,7 +1922,7 @@
           <a:p>
             <a:pPr lvl="0"/>
             <a:r>
-              <a:rPr lang="en-US" dirty="0" smtClean="0"/>
+              <a:rPr lang="en-US" dirty="0"/>
               <a:t>Content Here</a:t>
             </a:r>
           </a:p>
@@ -2014,7 +1987,7 @@
           <a:p>
             <a:pPr lvl="0"/>
             <a:r>
-              <a:rPr lang="en-US" dirty="0" smtClean="0"/>
+              <a:rPr lang="en-US" dirty="0"/>
               <a:t>Content Here</a:t>
             </a:r>
           </a:p>
@@ -2079,7 +2052,7 @@
           <a:p>
             <a:pPr lvl="0"/>
             <a:r>
-              <a:rPr lang="en-US" dirty="0" smtClean="0"/>
+              <a:rPr lang="en-US" dirty="0"/>
               <a:t>Content Here</a:t>
             </a:r>
           </a:p>
@@ -2095,13 +2068,6 @@
   <p:clrMapOvr>
     <a:masterClrMapping/>
   </p:clrMapOvr>
-  <p:timing>
-    <p:tnLst>
-      <p:par>
-        <p:cTn id="1" dur="indefinite" restart="never" nodeType="tmRoot"/>
-      </p:par>
-    </p:tnLst>
-  </p:timing>
 </p:sldLayout>
 </file>
 
@@ -2271,10 +2237,9 @@
           </a:lstStyle>
           <a:p>
             <a:r>
-              <a:rPr lang="en-US" dirty="0" smtClean="0"/>
+              <a:rPr lang="en-US" dirty="0"/>
               <a:t>Title here</a:t>
             </a:r>
-            <a:endParaRPr lang="en-US" dirty="0"/>
           </a:p>
         </p:txBody>
       </p:sp>
@@ -2338,7 +2303,7 @@
           </a:lstStyle>
           <a:p>
             <a:r>
-              <a:rPr lang="en-US" dirty="0" smtClean="0"/>
+              <a:rPr lang="en-US" dirty="0"/>
               <a:t>Subtitle here</a:t>
             </a:r>
           </a:p>
@@ -2570,7 +2535,7 @@
           <a:p>
             <a:pPr lvl="0"/>
             <a:r>
-              <a:rPr lang="en-US" dirty="0" smtClean="0"/>
+              <a:rPr lang="en-US" dirty="0"/>
               <a:t>Content Here</a:t>
             </a:r>
           </a:p>
@@ -2586,13 +2551,6 @@
   <p:clrMapOvr>
     <a:masterClrMapping/>
   </p:clrMapOvr>
-  <p:timing>
-    <p:tnLst>
-      <p:par>
-        <p:cTn id="1" dur="indefinite" restart="never" nodeType="tmRoot"/>
-      </p:par>
-    </p:tnLst>
-  </p:timing>
 </p:sldLayout>
 </file>
 
@@ -2704,10 +2662,9 @@
           </a:lstStyle>
           <a:p>
             <a:r>
-              <a:rPr lang="en-US" dirty="0" smtClean="0"/>
+              <a:rPr lang="en-US" dirty="0"/>
               <a:t>Thanks you !</a:t>
             </a:r>
-            <a:endParaRPr lang="en-US" dirty="0"/>
           </a:p>
         </p:txBody>
       </p:sp>
@@ -2740,10 +2697,9 @@
           </a:lstStyle>
           <a:p>
             <a:r>
-              <a:rPr lang="en-US" smtClean="0"/>
+              <a:rPr lang="en-US"/>
               <a:t>www.indruino.com</a:t>
             </a:r>
-            <a:endParaRPr lang="en-US"/>
           </a:p>
         </p:txBody>
       </p:sp>
@@ -2964,7 +2920,7 @@
           </a:lstStyle>
           <a:p>
             <a:r>
-              <a:rPr lang="en-US" err="1" smtClean="0">
+              <a:rPr lang="en-US" err="1">
                 <a:solidFill>
                   <a:schemeClr val="bg1"/>
                 </a:solidFill>
@@ -2972,7 +2928,7 @@
               <a:t>Diễn</a:t>
             </a:r>
             <a:r>
-              <a:rPr lang="en-US" smtClean="0">
+              <a:rPr lang="en-US">
                 <a:solidFill>
                   <a:schemeClr val="bg1"/>
                 </a:solidFill>
@@ -2980,7 +2936,7 @@
               <a:t> </a:t>
             </a:r>
             <a:r>
-              <a:rPr lang="en-US" err="1" smtClean="0">
+              <a:rPr lang="en-US" err="1">
                 <a:solidFill>
                   <a:schemeClr val="bg1"/>
                 </a:solidFill>
@@ -2988,7 +2944,7 @@
               <a:t>giả</a:t>
             </a:r>
             <a:r>
-              <a:rPr lang="en-US" smtClean="0">
+              <a:rPr lang="en-US">
                 <a:solidFill>
                   <a:schemeClr val="bg1"/>
                 </a:solidFill>
@@ -2996,14 +2952,14 @@
               <a:t>: </a:t>
             </a:r>
             <a:r>
-              <a:rPr lang="en-US" err="1" smtClean="0">
+              <a:rPr lang="en-US" err="1">
                 <a:solidFill>
                   <a:schemeClr val="bg1"/>
                 </a:solidFill>
               </a:rPr>
               <a:t>Indruino</a:t>
             </a:r>
-            <a:endParaRPr lang="en-US" smtClean="0">
+            <a:endParaRPr lang="en-US">
               <a:solidFill>
                 <a:schemeClr val="bg1"/>
               </a:solidFill>
@@ -3011,7 +2967,7 @@
           </a:p>
           <a:p>
             <a:r>
-              <a:rPr lang="en-US" err="1" smtClean="0">
+              <a:rPr lang="en-US" err="1">
                 <a:solidFill>
                   <a:schemeClr val="bg1"/>
                 </a:solidFill>
@@ -3019,7 +2975,7 @@
               <a:t>Bộ</a:t>
             </a:r>
             <a:r>
-              <a:rPr lang="en-US" smtClean="0">
+              <a:rPr lang="en-US">
                 <a:solidFill>
                   <a:schemeClr val="bg1"/>
                 </a:solidFill>
@@ -3027,7 +2983,7 @@
               <a:t> </a:t>
             </a:r>
             <a:r>
-              <a:rPr lang="en-US" err="1" smtClean="0">
+              <a:rPr lang="en-US" err="1">
                 <a:solidFill>
                   <a:schemeClr val="bg1"/>
                 </a:solidFill>
@@ -3035,7 +2991,7 @@
               <a:t>phận</a:t>
             </a:r>
             <a:r>
-              <a:rPr lang="en-US" smtClean="0">
+              <a:rPr lang="en-US">
                 <a:solidFill>
                   <a:schemeClr val="bg1"/>
                 </a:solidFill>
@@ -3043,7 +2999,7 @@
               <a:t>: </a:t>
             </a:r>
             <a:r>
-              <a:rPr lang="en-US" err="1" smtClean="0">
+              <a:rPr lang="en-US" err="1">
                 <a:solidFill>
                   <a:schemeClr val="bg1"/>
                 </a:solidFill>
@@ -3111,13 +3067,6 @@
   <p:clrMapOvr>
     <a:masterClrMapping/>
   </p:clrMapOvr>
-  <p:timing>
-    <p:tnLst>
-      <p:par>
-        <p:cTn id="1" dur="indefinite" restart="never" nodeType="tmRoot"/>
-      </p:par>
-    </p:tnLst>
-  </p:timing>
 </p:sldLayout>
 </file>
 
@@ -3172,10 +3121,9 @@
           <a:lstStyle/>
           <a:p>
             <a:r>
-              <a:rPr lang="en-US" smtClean="0"/>
+              <a:rPr lang="en-US"/>
               <a:t>Click to edit Master title style</a:t>
             </a:r>
-            <a:endParaRPr lang="en-US"/>
           </a:p>
         </p:txBody>
       </p:sp>
@@ -3206,38 +3154,37 @@
           <a:p>
             <a:pPr lvl="0"/>
             <a:r>
-              <a:rPr lang="en-US" smtClean="0"/>
+              <a:rPr lang="en-US"/>
               <a:t>Edit Master text styles</a:t>
             </a:r>
           </a:p>
           <a:p>
             <a:pPr lvl="1"/>
             <a:r>
-              <a:rPr lang="en-US" smtClean="0"/>
+              <a:rPr lang="en-US"/>
               <a:t>Second level</a:t>
             </a:r>
           </a:p>
           <a:p>
             <a:pPr lvl="2"/>
             <a:r>
-              <a:rPr lang="en-US" smtClean="0"/>
+              <a:rPr lang="en-US"/>
               <a:t>Third level</a:t>
             </a:r>
           </a:p>
           <a:p>
             <a:pPr lvl="3"/>
             <a:r>
-              <a:rPr lang="en-US" smtClean="0"/>
+              <a:rPr lang="en-US"/>
               <a:t>Fourth level</a:t>
             </a:r>
           </a:p>
           <a:p>
             <a:pPr lvl="4"/>
             <a:r>
-              <a:rPr lang="en-US" smtClean="0"/>
+              <a:rPr lang="en-US"/>
               <a:t>Fifth level</a:t>
             </a:r>
-            <a:endParaRPr lang="en-US"/>
           </a:p>
         </p:txBody>
       </p:sp>
@@ -3279,7 +3226,7 @@
           <a:p>
             <a:fld id="{6D9FEF56-C5D4-4D87-B961-211842A8ECEA}" type="datetime1">
               <a:rPr lang="en-US" smtClean="0"/>
-              <a:t>8/11/2020</a:t>
+              <a:t>8/23/2020</a:t>
             </a:fld>
             <a:endParaRPr lang="en-US"/>
           </a:p>
@@ -3322,10 +3269,9 @@
           </a:lstStyle>
           <a:p>
             <a:r>
-              <a:rPr lang="en-US" smtClean="0"/>
+              <a:rPr lang="en-US"/>
               <a:t>www.indruino.com</a:t>
             </a:r>
-            <a:endParaRPr lang="en-US"/>
           </a:p>
         </p:txBody>
       </p:sp>
@@ -3390,13 +3336,6 @@
     <p:sldLayoutId id="2147483680" r:id="rId5"/>
     <p:sldLayoutId id="2147483663" r:id="rId6"/>
   </p:sldLayoutIdLst>
-  <p:timing>
-    <p:tnLst>
-      <p:par>
-        <p:cTn id="1" dur="indefinite" restart="never" nodeType="tmRoot"/>
-      </p:par>
-    </p:tnLst>
-  </p:timing>
   <p:hf sldNum="0" hdr="0" dt="0"/>
   <p:txStyles>
     <p:titleStyle>
@@ -3708,13 +3647,6 @@
   <p:clrMapOvr>
     <a:masterClrMapping/>
   </p:clrMapOvr>
-  <p:timing>
-    <p:tnLst>
-      <p:par>
-        <p:cTn id="1" dur="indefinite" restart="never" nodeType="tmRoot"/>
-      </p:par>
-    </p:tnLst>
-  </p:timing>
 </p:sld>
 </file>
 
@@ -3744,7 +3676,7 @@
         <p:spPr>
           <a:xfrm>
             <a:off x="1755228" y="490573"/>
-            <a:ext cx="10037378" cy="923330"/>
+            <a:ext cx="10037378" cy="553998"/>
           </a:xfrm>
           <a:prstGeom prst="rect">
             <a:avLst/>
@@ -3757,24 +3689,16 @@
           </a:bodyPr>
           <a:lstStyle/>
           <a:p>
-            <a:pPr algn="ctr"/>
-            <a:r>
-              <a:rPr lang="en-US" sz="5400" b="1">
+            <a:r>
+              <a:rPr lang="en-US" sz="3000" b="1" dirty="0">
                 <a:solidFill>
                   <a:srgbClr val="FF0000"/>
                 </a:solidFill>
-                <a:latin typeface="Times New Roman" panose="02020603050405020304" pitchFamily="18" charset="0"/>
+                <a:latin typeface="Segoe UI Black" panose="020B0A02040204020203" pitchFamily="34" charset="0"/>
                 <a:cs typeface="Times New Roman" panose="02020603050405020304" pitchFamily="18" charset="0"/>
               </a:rPr>
               <a:t>AT Command</a:t>
             </a:r>
-            <a:endParaRPr lang="en-US" sz="5000" b="1">
-              <a:solidFill>
-                <a:srgbClr val="FF0000"/>
-              </a:solidFill>
-              <a:latin typeface="Times New Roman" panose="02020603050405020304" pitchFamily="18" charset="0"/>
-              <a:cs typeface="Times New Roman" panose="02020603050405020304" pitchFamily="18" charset="0"/>
-            </a:endParaRPr>
           </a:p>
         </p:txBody>
       </p:sp>
@@ -3787,7 +3711,7 @@
         <p:spPr>
           <a:xfrm>
             <a:off x="1975944" y="1828615"/>
-            <a:ext cx="2900855" cy="477054"/>
+            <a:ext cx="7323331" cy="400110"/>
           </a:xfrm>
           <a:prstGeom prst="rect">
             <a:avLst/>
@@ -3808,16 +3732,19 @@
           <a:lstStyle/>
           <a:p>
             <a:r>
-              <a:rPr lang="en-US" sz="2500" b="1" smtClean="0">
-                <a:latin typeface="Times New Roman" panose="02020603050405020304" pitchFamily="18" charset="0"/>
-                <a:cs typeface="Times New Roman" panose="02020603050405020304" pitchFamily="18" charset="0"/>
-              </a:rPr>
-              <a:t>Lệnh AT Command</a:t>
-            </a:r>
-            <a:endParaRPr lang="en-US" sz="2500" b="1">
-              <a:latin typeface="Times New Roman" panose="02020603050405020304" pitchFamily="18" charset="0"/>
-              <a:cs typeface="Times New Roman" panose="02020603050405020304" pitchFamily="18" charset="0"/>
-            </a:endParaRPr>
+              <a:rPr lang="en-US" sz="2000" b="1" dirty="0" err="1">
+                <a:latin typeface="Segoe UI Black" panose="020B0A02040204020203" pitchFamily="34" charset="0"/>
+                <a:cs typeface="Times New Roman" panose="02020603050405020304" pitchFamily="18" charset="0"/>
+              </a:rPr>
+              <a:t>Lệnh</a:t>
+            </a:r>
+            <a:r>
+              <a:rPr lang="en-US" sz="2000" b="1" dirty="0">
+                <a:latin typeface="Segoe UI Black" panose="020B0A02040204020203" pitchFamily="34" charset="0"/>
+                <a:cs typeface="Times New Roman" panose="02020603050405020304" pitchFamily="18" charset="0"/>
+              </a:rPr>
+              <a:t> AT Command</a:t>
+            </a:r>
           </a:p>
         </p:txBody>
       </p:sp>
@@ -3830,7 +3757,7 @@
         <p:spPr>
           <a:xfrm>
             <a:off x="1975943" y="2393806"/>
-            <a:ext cx="8517886" cy="477054"/>
+            <a:ext cx="9548948" cy="400110"/>
           </a:xfrm>
           <a:prstGeom prst="rect">
             <a:avLst/>
@@ -3844,11 +3771,116 @@
           <a:lstStyle/>
           <a:p>
             <a:r>
-              <a:rPr lang="en-US" sz="2500" b="1">
-                <a:latin typeface="Times New Roman" panose="02020603050405020304" pitchFamily="18" charset="0"/>
-                <a:cs typeface="Times New Roman" panose="02020603050405020304" pitchFamily="18" charset="0"/>
-              </a:rPr>
-              <a:t>Các lệnh AT đối với Module Wifi cầu hình là Station / client</a:t>
+              <a:rPr lang="en-US" sz="2000" b="1" dirty="0" err="1">
+                <a:latin typeface="Segoe UI Black" panose="020B0A02040204020203" pitchFamily="34" charset="0"/>
+                <a:cs typeface="Times New Roman" panose="02020603050405020304" pitchFamily="18" charset="0"/>
+              </a:rPr>
+              <a:t>Các</a:t>
+            </a:r>
+            <a:r>
+              <a:rPr lang="en-US" sz="2000" b="1" dirty="0">
+                <a:latin typeface="Segoe UI Black" panose="020B0A02040204020203" pitchFamily="34" charset="0"/>
+                <a:cs typeface="Times New Roman" panose="02020603050405020304" pitchFamily="18" charset="0"/>
+              </a:rPr>
+              <a:t> </a:t>
+            </a:r>
+            <a:r>
+              <a:rPr lang="en-US" sz="2000" b="1" dirty="0" err="1">
+                <a:latin typeface="Segoe UI Black" panose="020B0A02040204020203" pitchFamily="34" charset="0"/>
+                <a:cs typeface="Times New Roman" panose="02020603050405020304" pitchFamily="18" charset="0"/>
+              </a:rPr>
+              <a:t>lệnh</a:t>
+            </a:r>
+            <a:r>
+              <a:rPr lang="en-US" sz="2000" b="1" dirty="0">
+                <a:latin typeface="Segoe UI Black" panose="020B0A02040204020203" pitchFamily="34" charset="0"/>
+                <a:cs typeface="Times New Roman" panose="02020603050405020304" pitchFamily="18" charset="0"/>
+              </a:rPr>
+              <a:t> AT </a:t>
+            </a:r>
+            <a:r>
+              <a:rPr lang="en-US" sz="2000" b="1" dirty="0" err="1">
+                <a:latin typeface="Segoe UI Black" panose="020B0A02040204020203" pitchFamily="34" charset="0"/>
+                <a:cs typeface="Times New Roman" panose="02020603050405020304" pitchFamily="18" charset="0"/>
+              </a:rPr>
+              <a:t>đối</a:t>
+            </a:r>
+            <a:r>
+              <a:rPr lang="en-US" sz="2000" b="1" dirty="0">
+                <a:latin typeface="Segoe UI Black" panose="020B0A02040204020203" pitchFamily="34" charset="0"/>
+                <a:cs typeface="Times New Roman" panose="02020603050405020304" pitchFamily="18" charset="0"/>
+              </a:rPr>
+              <a:t> </a:t>
+            </a:r>
+            <a:r>
+              <a:rPr lang="en-US" sz="2000" b="1" dirty="0" err="1">
+                <a:latin typeface="Segoe UI Black" panose="020B0A02040204020203" pitchFamily="34" charset="0"/>
+                <a:cs typeface="Times New Roman" panose="02020603050405020304" pitchFamily="18" charset="0"/>
+              </a:rPr>
+              <a:t>với</a:t>
+            </a:r>
+            <a:r>
+              <a:rPr lang="en-US" sz="2000" b="1" dirty="0">
+                <a:latin typeface="Segoe UI Black" panose="020B0A02040204020203" pitchFamily="34" charset="0"/>
+                <a:cs typeface="Times New Roman" panose="02020603050405020304" pitchFamily="18" charset="0"/>
+              </a:rPr>
+              <a:t> Module </a:t>
+            </a:r>
+            <a:r>
+              <a:rPr lang="en-US" sz="2000" b="1" dirty="0" err="1">
+                <a:latin typeface="Segoe UI Black" panose="020B0A02040204020203" pitchFamily="34" charset="0"/>
+                <a:cs typeface="Times New Roman" panose="02020603050405020304" pitchFamily="18" charset="0"/>
+              </a:rPr>
+              <a:t>Wifi</a:t>
+            </a:r>
+            <a:r>
+              <a:rPr lang="en-US" sz="2000" b="1" dirty="0">
+                <a:latin typeface="Segoe UI Black" panose="020B0A02040204020203" pitchFamily="34" charset="0"/>
+                <a:cs typeface="Times New Roman" panose="02020603050405020304" pitchFamily="18" charset="0"/>
+              </a:rPr>
+              <a:t> </a:t>
+            </a:r>
+            <a:r>
+              <a:rPr lang="en-US" sz="2000" b="1" dirty="0" err="1">
+                <a:latin typeface="Segoe UI Black" panose="020B0A02040204020203" pitchFamily="34" charset="0"/>
+                <a:cs typeface="Times New Roman" panose="02020603050405020304" pitchFamily="18" charset="0"/>
+              </a:rPr>
+              <a:t>cầu</a:t>
+            </a:r>
+            <a:r>
+              <a:rPr lang="en-US" sz="2000" b="1" dirty="0">
+                <a:latin typeface="Segoe UI Black" panose="020B0A02040204020203" pitchFamily="34" charset="0"/>
+                <a:cs typeface="Times New Roman" panose="02020603050405020304" pitchFamily="18" charset="0"/>
+              </a:rPr>
+              <a:t> </a:t>
+            </a:r>
+            <a:r>
+              <a:rPr lang="en-US" sz="2000" b="1" dirty="0" err="1">
+                <a:latin typeface="Segoe UI Black" panose="020B0A02040204020203" pitchFamily="34" charset="0"/>
+                <a:cs typeface="Times New Roman" panose="02020603050405020304" pitchFamily="18" charset="0"/>
+              </a:rPr>
+              <a:t>hình</a:t>
+            </a:r>
+            <a:r>
+              <a:rPr lang="en-US" sz="2000" b="1" dirty="0">
+                <a:latin typeface="Segoe UI Black" panose="020B0A02040204020203" pitchFamily="34" charset="0"/>
+                <a:cs typeface="Times New Roman" panose="02020603050405020304" pitchFamily="18" charset="0"/>
+              </a:rPr>
+              <a:t> </a:t>
+            </a:r>
+            <a:r>
+              <a:rPr lang="en-US" sz="2000" b="1" dirty="0" err="1">
+                <a:latin typeface="Segoe UI Black" panose="020B0A02040204020203" pitchFamily="34" charset="0"/>
+                <a:cs typeface="Times New Roman" panose="02020603050405020304" pitchFamily="18" charset="0"/>
+              </a:rPr>
+              <a:t>là</a:t>
+            </a:r>
+            <a:r>
+              <a:rPr lang="en-US" sz="2000" b="1" dirty="0">
+                <a:latin typeface="Segoe UI Black" panose="020B0A02040204020203" pitchFamily="34" charset="0"/>
+                <a:cs typeface="Times New Roman" panose="02020603050405020304" pitchFamily="18" charset="0"/>
+              </a:rPr>
+              <a:t> Station / client</a:t>
             </a:r>
           </a:p>
         </p:txBody>
@@ -3887,13 +3919,6 @@
   <p:clrMapOvr>
     <a:masterClrMapping/>
   </p:clrMapOvr>
-  <p:timing>
-    <p:tnLst>
-      <p:par>
-        <p:cTn id="1" dur="indefinite" restart="never" nodeType="tmRoot"/>
-      </p:par>
-    </p:tnLst>
-  </p:timing>
 </p:sld>
 </file>
 
@@ -3923,7 +3948,7 @@
         <p:spPr>
           <a:xfrm>
             <a:off x="1755228" y="490573"/>
-            <a:ext cx="10037378" cy="923330"/>
+            <a:ext cx="10037378" cy="553998"/>
           </a:xfrm>
           <a:prstGeom prst="rect">
             <a:avLst/>
@@ -3936,24 +3961,16 @@
           </a:bodyPr>
           <a:lstStyle/>
           <a:p>
-            <a:pPr algn="ctr"/>
-            <a:r>
-              <a:rPr lang="en-US" sz="5400" b="1">
+            <a:r>
+              <a:rPr lang="en-US" sz="3000" b="1" dirty="0">
                 <a:solidFill>
                   <a:srgbClr val="FF0000"/>
                 </a:solidFill>
-                <a:latin typeface="Times New Roman" panose="02020603050405020304" pitchFamily="18" charset="0"/>
+                <a:latin typeface="Segoe UI Black" panose="020B0A02040204020203" pitchFamily="34" charset="0"/>
                 <a:cs typeface="Times New Roman" panose="02020603050405020304" pitchFamily="18" charset="0"/>
               </a:rPr>
               <a:t>AT Command</a:t>
             </a:r>
-            <a:endParaRPr lang="en-US" sz="5000" b="1">
-              <a:solidFill>
-                <a:srgbClr val="FF0000"/>
-              </a:solidFill>
-              <a:latin typeface="Times New Roman" panose="02020603050405020304" pitchFamily="18" charset="0"/>
-              <a:cs typeface="Times New Roman" panose="02020603050405020304" pitchFamily="18" charset="0"/>
-            </a:endParaRPr>
           </a:p>
         </p:txBody>
       </p:sp>
@@ -3965,8 +3982,8 @@
         </p:nvSpPr>
         <p:spPr>
           <a:xfrm>
-            <a:off x="1975944" y="1828615"/>
-            <a:ext cx="2900855" cy="477054"/>
+            <a:off x="1975943" y="1834212"/>
+            <a:ext cx="6098381" cy="400110"/>
           </a:xfrm>
           <a:prstGeom prst="rect">
             <a:avLst/>
@@ -3987,16 +4004,19 @@
           <a:lstStyle/>
           <a:p>
             <a:r>
-              <a:rPr lang="en-US" sz="2500" b="1" smtClean="0">
-                <a:latin typeface="Times New Roman" panose="02020603050405020304" pitchFamily="18" charset="0"/>
-                <a:cs typeface="Times New Roman" panose="02020603050405020304" pitchFamily="18" charset="0"/>
-              </a:rPr>
-              <a:t>Lệnh AT Command</a:t>
-            </a:r>
-            <a:endParaRPr lang="en-US" sz="2500" b="1">
-              <a:latin typeface="Times New Roman" panose="02020603050405020304" pitchFamily="18" charset="0"/>
-              <a:cs typeface="Times New Roman" panose="02020603050405020304" pitchFamily="18" charset="0"/>
-            </a:endParaRPr>
+              <a:rPr lang="en-US" sz="2000" b="1" dirty="0" err="1">
+                <a:latin typeface="Segoe UI Black" panose="020B0A02040204020203" pitchFamily="34" charset="0"/>
+                <a:cs typeface="Times New Roman" panose="02020603050405020304" pitchFamily="18" charset="0"/>
+              </a:rPr>
+              <a:t>Lệnh</a:t>
+            </a:r>
+            <a:r>
+              <a:rPr lang="en-US" sz="2000" b="1" dirty="0">
+                <a:latin typeface="Segoe UI Black" panose="020B0A02040204020203" pitchFamily="34" charset="0"/>
+                <a:cs typeface="Times New Roman" panose="02020603050405020304" pitchFamily="18" charset="0"/>
+              </a:rPr>
+              <a:t> AT Command</a:t>
+            </a:r>
           </a:p>
         </p:txBody>
       </p:sp>
@@ -4009,7 +4029,7 @@
         <p:spPr>
           <a:xfrm>
             <a:off x="1975943" y="2393806"/>
-            <a:ext cx="8517886" cy="477054"/>
+            <a:ext cx="8517886" cy="400110"/>
           </a:xfrm>
           <a:prstGeom prst="rect">
             <a:avLst/>
@@ -4023,11 +4043,102 @@
           <a:lstStyle/>
           <a:p>
             <a:r>
-              <a:rPr lang="en-US" sz="2500" b="1">
-                <a:latin typeface="Times New Roman" panose="02020603050405020304" pitchFamily="18" charset="0"/>
-                <a:cs typeface="Times New Roman" panose="02020603050405020304" pitchFamily="18" charset="0"/>
-              </a:rPr>
-              <a:t>Các lệnh AT với Module Wifi cấu hình là Access Point</a:t>
+              <a:rPr lang="en-US" sz="2000" b="1" dirty="0" err="1">
+                <a:latin typeface="Segoe UI Black" panose="020B0A02040204020203" pitchFamily="34" charset="0"/>
+                <a:cs typeface="Times New Roman" panose="02020603050405020304" pitchFamily="18" charset="0"/>
+              </a:rPr>
+              <a:t>Các</a:t>
+            </a:r>
+            <a:r>
+              <a:rPr lang="en-US" sz="2000" b="1" dirty="0">
+                <a:latin typeface="Segoe UI Black" panose="020B0A02040204020203" pitchFamily="34" charset="0"/>
+                <a:cs typeface="Times New Roman" panose="02020603050405020304" pitchFamily="18" charset="0"/>
+              </a:rPr>
+              <a:t> </a:t>
+            </a:r>
+            <a:r>
+              <a:rPr lang="en-US" sz="2000" b="1" dirty="0" err="1">
+                <a:latin typeface="Segoe UI Black" panose="020B0A02040204020203" pitchFamily="34" charset="0"/>
+                <a:cs typeface="Times New Roman" panose="02020603050405020304" pitchFamily="18" charset="0"/>
+              </a:rPr>
+              <a:t>lệnh</a:t>
+            </a:r>
+            <a:r>
+              <a:rPr lang="en-US" sz="2000" b="1" dirty="0">
+                <a:latin typeface="Segoe UI Black" panose="020B0A02040204020203" pitchFamily="34" charset="0"/>
+                <a:cs typeface="Times New Roman" panose="02020603050405020304" pitchFamily="18" charset="0"/>
+              </a:rPr>
+              <a:t> AT </a:t>
+            </a:r>
+            <a:r>
+              <a:rPr lang="en-US" sz="2000" b="1" dirty="0" err="1">
+                <a:latin typeface="Segoe UI Black" panose="020B0A02040204020203" pitchFamily="34" charset="0"/>
+                <a:cs typeface="Times New Roman" panose="02020603050405020304" pitchFamily="18" charset="0"/>
+              </a:rPr>
+              <a:t>với</a:t>
+            </a:r>
+            <a:r>
+              <a:rPr lang="en-US" sz="2000" b="1" dirty="0">
+                <a:latin typeface="Segoe UI Black" panose="020B0A02040204020203" pitchFamily="34" charset="0"/>
+                <a:cs typeface="Times New Roman" panose="02020603050405020304" pitchFamily="18" charset="0"/>
+              </a:rPr>
+              <a:t> Module </a:t>
+            </a:r>
+            <a:r>
+              <a:rPr lang="en-US" sz="2000" b="1" dirty="0" err="1">
+                <a:latin typeface="Segoe UI Black" panose="020B0A02040204020203" pitchFamily="34" charset="0"/>
+                <a:cs typeface="Times New Roman" panose="02020603050405020304" pitchFamily="18" charset="0"/>
+              </a:rPr>
+              <a:t>Wifi</a:t>
+            </a:r>
+            <a:r>
+              <a:rPr lang="en-US" sz="2000" b="1" dirty="0">
+                <a:latin typeface="Segoe UI Black" panose="020B0A02040204020203" pitchFamily="34" charset="0"/>
+                <a:cs typeface="Times New Roman" panose="02020603050405020304" pitchFamily="18" charset="0"/>
+              </a:rPr>
+              <a:t> </a:t>
+            </a:r>
+            <a:r>
+              <a:rPr lang="en-US" sz="2000" b="1" dirty="0" err="1">
+                <a:latin typeface="Segoe UI Black" panose="020B0A02040204020203" pitchFamily="34" charset="0"/>
+                <a:cs typeface="Times New Roman" panose="02020603050405020304" pitchFamily="18" charset="0"/>
+              </a:rPr>
+              <a:t>cấu</a:t>
+            </a:r>
+            <a:r>
+              <a:rPr lang="en-US" sz="2000" b="1" dirty="0">
+                <a:latin typeface="Segoe UI Black" panose="020B0A02040204020203" pitchFamily="34" charset="0"/>
+                <a:cs typeface="Times New Roman" panose="02020603050405020304" pitchFamily="18" charset="0"/>
+              </a:rPr>
+              <a:t> </a:t>
+            </a:r>
+            <a:r>
+              <a:rPr lang="en-US" sz="2000" b="1" dirty="0" err="1">
+                <a:latin typeface="Segoe UI Black" panose="020B0A02040204020203" pitchFamily="34" charset="0"/>
+                <a:cs typeface="Times New Roman" panose="02020603050405020304" pitchFamily="18" charset="0"/>
+              </a:rPr>
+              <a:t>hình</a:t>
+            </a:r>
+            <a:r>
+              <a:rPr lang="en-US" sz="2000" b="1" dirty="0">
+                <a:latin typeface="Segoe UI Black" panose="020B0A02040204020203" pitchFamily="34" charset="0"/>
+                <a:cs typeface="Times New Roman" panose="02020603050405020304" pitchFamily="18" charset="0"/>
+              </a:rPr>
+              <a:t> </a:t>
+            </a:r>
+            <a:r>
+              <a:rPr lang="en-US" sz="2000" b="1" dirty="0" err="1">
+                <a:latin typeface="Segoe UI Black" panose="020B0A02040204020203" pitchFamily="34" charset="0"/>
+                <a:cs typeface="Times New Roman" panose="02020603050405020304" pitchFamily="18" charset="0"/>
+              </a:rPr>
+              <a:t>là</a:t>
+            </a:r>
+            <a:r>
+              <a:rPr lang="en-US" sz="2000" b="1" dirty="0">
+                <a:latin typeface="Segoe UI Black" panose="020B0A02040204020203" pitchFamily="34" charset="0"/>
+                <a:cs typeface="Times New Roman" panose="02020603050405020304" pitchFamily="18" charset="0"/>
+              </a:rPr>
+              <a:t> Access Point</a:t>
             </a:r>
           </a:p>
         </p:txBody>
@@ -4066,13 +4177,6 @@
   <p:clrMapOvr>
     <a:masterClrMapping/>
   </p:clrMapOvr>
-  <p:timing>
-    <p:tnLst>
-      <p:par>
-        <p:cTn id="1" dur="indefinite" restart="never" nodeType="tmRoot"/>
-      </p:par>
-    </p:tnLst>
-  </p:timing>
 </p:sld>
 </file>
 
@@ -4102,7 +4206,7 @@
         <p:spPr>
           <a:xfrm>
             <a:off x="1755228" y="490573"/>
-            <a:ext cx="10037378" cy="923330"/>
+            <a:ext cx="10037378" cy="553998"/>
           </a:xfrm>
           <a:prstGeom prst="rect">
             <a:avLst/>
@@ -4115,24 +4219,16 @@
           </a:bodyPr>
           <a:lstStyle/>
           <a:p>
-            <a:pPr algn="ctr"/>
-            <a:r>
-              <a:rPr lang="en-US" sz="5400" b="1">
+            <a:r>
+              <a:rPr lang="en-US" sz="3000" b="1" dirty="0">
                 <a:solidFill>
                   <a:srgbClr val="FF0000"/>
                 </a:solidFill>
-                <a:latin typeface="Times New Roman" panose="02020603050405020304" pitchFamily="18" charset="0"/>
+                <a:latin typeface="Segoe UI Black" panose="020B0A02040204020203" pitchFamily="34" charset="0"/>
                 <a:cs typeface="Times New Roman" panose="02020603050405020304" pitchFamily="18" charset="0"/>
               </a:rPr>
               <a:t>AT Command</a:t>
             </a:r>
-            <a:endParaRPr lang="en-US" sz="5000" b="1">
-              <a:solidFill>
-                <a:srgbClr val="FF0000"/>
-              </a:solidFill>
-              <a:latin typeface="Times New Roman" panose="02020603050405020304" pitchFamily="18" charset="0"/>
-              <a:cs typeface="Times New Roman" panose="02020603050405020304" pitchFamily="18" charset="0"/>
-            </a:endParaRPr>
           </a:p>
         </p:txBody>
       </p:sp>
@@ -4145,7 +4241,7 @@
         <p:spPr>
           <a:xfrm>
             <a:off x="1975944" y="1828615"/>
-            <a:ext cx="2900855" cy="477054"/>
+            <a:ext cx="8436139" cy="400110"/>
           </a:xfrm>
           <a:prstGeom prst="rect">
             <a:avLst/>
@@ -4166,16 +4262,19 @@
           <a:lstStyle/>
           <a:p>
             <a:r>
-              <a:rPr lang="en-US" sz="2500" b="1" smtClean="0">
-                <a:latin typeface="Times New Roman" panose="02020603050405020304" pitchFamily="18" charset="0"/>
-                <a:cs typeface="Times New Roman" panose="02020603050405020304" pitchFamily="18" charset="0"/>
-              </a:rPr>
-              <a:t>Lệnh AT Command</a:t>
-            </a:r>
-            <a:endParaRPr lang="en-US" sz="2500" b="1">
-              <a:latin typeface="Times New Roman" panose="02020603050405020304" pitchFamily="18" charset="0"/>
-              <a:cs typeface="Times New Roman" panose="02020603050405020304" pitchFamily="18" charset="0"/>
-            </a:endParaRPr>
+              <a:rPr lang="en-US" sz="2000" b="1" dirty="0" err="1">
+                <a:latin typeface="Segoe UI Black" panose="020B0A02040204020203" pitchFamily="34" charset="0"/>
+                <a:cs typeface="Times New Roman" panose="02020603050405020304" pitchFamily="18" charset="0"/>
+              </a:rPr>
+              <a:t>Lệnh</a:t>
+            </a:r>
+            <a:r>
+              <a:rPr lang="en-US" sz="2000" b="1" dirty="0">
+                <a:latin typeface="Segoe UI Black" panose="020B0A02040204020203" pitchFamily="34" charset="0"/>
+                <a:cs typeface="Times New Roman" panose="02020603050405020304" pitchFamily="18" charset="0"/>
+              </a:rPr>
+              <a:t> AT Command</a:t>
+            </a:r>
           </a:p>
         </p:txBody>
       </p:sp>
@@ -4188,7 +4287,7 @@
         <p:spPr>
           <a:xfrm>
             <a:off x="1975943" y="2393806"/>
-            <a:ext cx="8517886" cy="477054"/>
+            <a:ext cx="8517886" cy="400110"/>
           </a:xfrm>
           <a:prstGeom prst="rect">
             <a:avLst/>
@@ -4202,16 +4301,145 @@
           <a:lstStyle/>
           <a:p>
             <a:r>
-              <a:rPr lang="en-US" sz="2500" b="1" smtClean="0">
-                <a:latin typeface="Times New Roman" panose="02020603050405020304" pitchFamily="18" charset="0"/>
-                <a:cs typeface="Times New Roman" panose="02020603050405020304" pitchFamily="18" charset="0"/>
-              </a:rPr>
-              <a:t>Ngoài các lệnh cơ bản ở trên, ta còn các lệnh sau:</a:t>
-            </a:r>
-            <a:endParaRPr lang="en-US" sz="2500" b="1">
-              <a:latin typeface="Times New Roman" panose="02020603050405020304" pitchFamily="18" charset="0"/>
-              <a:cs typeface="Times New Roman" panose="02020603050405020304" pitchFamily="18" charset="0"/>
-            </a:endParaRPr>
+              <a:rPr lang="en-US" sz="2000" b="1" dirty="0" err="1">
+                <a:latin typeface="Segoe UI Black" panose="020B0A02040204020203" pitchFamily="34" charset="0"/>
+                <a:cs typeface="Times New Roman" panose="02020603050405020304" pitchFamily="18" charset="0"/>
+              </a:rPr>
+              <a:t>Ngoài</a:t>
+            </a:r>
+            <a:r>
+              <a:rPr lang="en-US" sz="2000" b="1" dirty="0">
+                <a:latin typeface="Segoe UI Black" panose="020B0A02040204020203" pitchFamily="34" charset="0"/>
+                <a:cs typeface="Times New Roman" panose="02020603050405020304" pitchFamily="18" charset="0"/>
+              </a:rPr>
+              <a:t> </a:t>
+            </a:r>
+            <a:r>
+              <a:rPr lang="en-US" sz="2000" b="1" dirty="0" err="1">
+                <a:latin typeface="Segoe UI Black" panose="020B0A02040204020203" pitchFamily="34" charset="0"/>
+                <a:cs typeface="Times New Roman" panose="02020603050405020304" pitchFamily="18" charset="0"/>
+              </a:rPr>
+              <a:t>các</a:t>
+            </a:r>
+            <a:r>
+              <a:rPr lang="en-US" sz="2000" b="1" dirty="0">
+                <a:latin typeface="Segoe UI Black" panose="020B0A02040204020203" pitchFamily="34" charset="0"/>
+                <a:cs typeface="Times New Roman" panose="02020603050405020304" pitchFamily="18" charset="0"/>
+              </a:rPr>
+              <a:t> </a:t>
+            </a:r>
+            <a:r>
+              <a:rPr lang="en-US" sz="2000" b="1" dirty="0" err="1">
+                <a:latin typeface="Segoe UI Black" panose="020B0A02040204020203" pitchFamily="34" charset="0"/>
+                <a:cs typeface="Times New Roman" panose="02020603050405020304" pitchFamily="18" charset="0"/>
+              </a:rPr>
+              <a:t>lệnh</a:t>
+            </a:r>
+            <a:r>
+              <a:rPr lang="en-US" sz="2000" b="1" dirty="0">
+                <a:latin typeface="Segoe UI Black" panose="020B0A02040204020203" pitchFamily="34" charset="0"/>
+                <a:cs typeface="Times New Roman" panose="02020603050405020304" pitchFamily="18" charset="0"/>
+              </a:rPr>
+              <a:t> </a:t>
+            </a:r>
+            <a:r>
+              <a:rPr lang="en-US" sz="2000" b="1" dirty="0" err="1">
+                <a:latin typeface="Segoe UI Black" panose="020B0A02040204020203" pitchFamily="34" charset="0"/>
+                <a:cs typeface="Times New Roman" panose="02020603050405020304" pitchFamily="18" charset="0"/>
+              </a:rPr>
+              <a:t>cơ</a:t>
+            </a:r>
+            <a:r>
+              <a:rPr lang="en-US" sz="2000" b="1" dirty="0">
+                <a:latin typeface="Segoe UI Black" panose="020B0A02040204020203" pitchFamily="34" charset="0"/>
+                <a:cs typeface="Times New Roman" panose="02020603050405020304" pitchFamily="18" charset="0"/>
+              </a:rPr>
+              <a:t> </a:t>
+            </a:r>
+            <a:r>
+              <a:rPr lang="en-US" sz="2000" b="1" dirty="0" err="1">
+                <a:latin typeface="Segoe UI Black" panose="020B0A02040204020203" pitchFamily="34" charset="0"/>
+                <a:cs typeface="Times New Roman" panose="02020603050405020304" pitchFamily="18" charset="0"/>
+              </a:rPr>
+              <a:t>bản</a:t>
+            </a:r>
+            <a:r>
+              <a:rPr lang="en-US" sz="2000" b="1" dirty="0">
+                <a:latin typeface="Segoe UI Black" panose="020B0A02040204020203" pitchFamily="34" charset="0"/>
+                <a:cs typeface="Times New Roman" panose="02020603050405020304" pitchFamily="18" charset="0"/>
+              </a:rPr>
+              <a:t> ở </a:t>
+            </a:r>
+            <a:r>
+              <a:rPr lang="en-US" sz="2000" b="1" dirty="0" err="1">
+                <a:latin typeface="Segoe UI Black" panose="020B0A02040204020203" pitchFamily="34" charset="0"/>
+                <a:cs typeface="Times New Roman" panose="02020603050405020304" pitchFamily="18" charset="0"/>
+              </a:rPr>
+              <a:t>trên</a:t>
+            </a:r>
+            <a:r>
+              <a:rPr lang="en-US" sz="2000" b="1" dirty="0">
+                <a:latin typeface="Segoe UI Black" panose="020B0A02040204020203" pitchFamily="34" charset="0"/>
+                <a:cs typeface="Times New Roman" panose="02020603050405020304" pitchFamily="18" charset="0"/>
+              </a:rPr>
+              <a:t>, ta </a:t>
+            </a:r>
+            <a:r>
+              <a:rPr lang="en-US" sz="2000" b="1" dirty="0" err="1">
+                <a:latin typeface="Segoe UI Black" panose="020B0A02040204020203" pitchFamily="34" charset="0"/>
+                <a:cs typeface="Times New Roman" panose="02020603050405020304" pitchFamily="18" charset="0"/>
+              </a:rPr>
+              <a:t>còn</a:t>
+            </a:r>
+            <a:r>
+              <a:rPr lang="en-US" sz="2000" b="1" dirty="0">
+                <a:latin typeface="Segoe UI Black" panose="020B0A02040204020203" pitchFamily="34" charset="0"/>
+                <a:cs typeface="Times New Roman" panose="02020603050405020304" pitchFamily="18" charset="0"/>
+              </a:rPr>
+              <a:t> </a:t>
+            </a:r>
+            <a:r>
+              <a:rPr lang="en-US" sz="2000" b="1" dirty="0" err="1">
+                <a:latin typeface="Segoe UI Black" panose="020B0A02040204020203" pitchFamily="34" charset="0"/>
+                <a:cs typeface="Times New Roman" panose="02020603050405020304" pitchFamily="18" charset="0"/>
+              </a:rPr>
+              <a:t>các</a:t>
+            </a:r>
+            <a:r>
+              <a:rPr lang="en-US" sz="2000" b="1" dirty="0">
+                <a:latin typeface="Segoe UI Black" panose="020B0A02040204020203" pitchFamily="34" charset="0"/>
+                <a:cs typeface="Times New Roman" panose="02020603050405020304" pitchFamily="18" charset="0"/>
+              </a:rPr>
+              <a:t> </a:t>
+            </a:r>
+            <a:r>
+              <a:rPr lang="en-US" sz="2000" b="1" dirty="0" err="1">
+                <a:latin typeface="Segoe UI Black" panose="020B0A02040204020203" pitchFamily="34" charset="0"/>
+                <a:cs typeface="Times New Roman" panose="02020603050405020304" pitchFamily="18" charset="0"/>
+              </a:rPr>
+              <a:t>lệnh</a:t>
+            </a:r>
+            <a:r>
+              <a:rPr lang="en-US" sz="2000" b="1" dirty="0">
+                <a:latin typeface="Segoe UI Black" panose="020B0A02040204020203" pitchFamily="34" charset="0"/>
+                <a:cs typeface="Times New Roman" panose="02020603050405020304" pitchFamily="18" charset="0"/>
+              </a:rPr>
+              <a:t> </a:t>
+            </a:r>
+            <a:r>
+              <a:rPr lang="en-US" sz="2000" b="1" dirty="0" err="1">
+                <a:latin typeface="Segoe UI Black" panose="020B0A02040204020203" pitchFamily="34" charset="0"/>
+                <a:cs typeface="Times New Roman" panose="02020603050405020304" pitchFamily="18" charset="0"/>
+              </a:rPr>
+              <a:t>sau</a:t>
+            </a:r>
+            <a:r>
+              <a:rPr lang="en-US" sz="2000" b="1" dirty="0">
+                <a:latin typeface="Segoe UI Black" panose="020B0A02040204020203" pitchFamily="34" charset="0"/>
+                <a:cs typeface="Times New Roman" panose="02020603050405020304" pitchFamily="18" charset="0"/>
+              </a:rPr>
+              <a:t>:</a:t>
+            </a:r>
           </a:p>
         </p:txBody>
       </p:sp>
@@ -4249,13 +4477,6 @@
   <p:clrMapOvr>
     <a:masterClrMapping/>
   </p:clrMapOvr>
-  <p:timing>
-    <p:tnLst>
-      <p:par>
-        <p:cTn id="1" dur="indefinite" restart="never" nodeType="tmRoot"/>
-      </p:par>
-    </p:tnLst>
-  </p:timing>
 </p:sld>
 </file>
 
@@ -4285,7 +4506,7 @@
         <p:spPr>
           <a:xfrm>
             <a:off x="1755228" y="490573"/>
-            <a:ext cx="10037378" cy="923330"/>
+            <a:ext cx="10037378" cy="553998"/>
           </a:xfrm>
           <a:prstGeom prst="rect">
             <a:avLst/>
@@ -4298,24 +4519,16 @@
           </a:bodyPr>
           <a:lstStyle/>
           <a:p>
-            <a:pPr algn="ctr"/>
-            <a:r>
-              <a:rPr lang="en-US" sz="5400" b="1">
+            <a:r>
+              <a:rPr lang="en-US" sz="3000" b="1" dirty="0">
                 <a:solidFill>
                   <a:srgbClr val="FF0000"/>
                 </a:solidFill>
-                <a:latin typeface="Times New Roman" panose="02020603050405020304" pitchFamily="18" charset="0"/>
+                <a:latin typeface="Segoe UI Black" panose="020B0A02040204020203" pitchFamily="34" charset="0"/>
                 <a:cs typeface="Times New Roman" panose="02020603050405020304" pitchFamily="18" charset="0"/>
               </a:rPr>
               <a:t>AT Command</a:t>
             </a:r>
-            <a:endParaRPr lang="en-US" sz="5000" b="1">
-              <a:solidFill>
-                <a:srgbClr val="FF0000"/>
-              </a:solidFill>
-              <a:latin typeface="Times New Roman" panose="02020603050405020304" pitchFamily="18" charset="0"/>
-              <a:cs typeface="Times New Roman" panose="02020603050405020304" pitchFamily="18" charset="0"/>
-            </a:endParaRPr>
           </a:p>
         </p:txBody>
       </p:sp>
@@ -4328,7 +4541,7 @@
         <p:spPr>
           <a:xfrm>
             <a:off x="1975944" y="1828615"/>
-            <a:ext cx="2900855" cy="477054"/>
+            <a:ext cx="2900855" cy="400110"/>
           </a:xfrm>
           <a:prstGeom prst="rect">
             <a:avLst/>
@@ -4349,16 +4562,19 @@
           <a:lstStyle/>
           <a:p>
             <a:r>
-              <a:rPr lang="en-US" sz="2500" b="1" smtClean="0">
-                <a:latin typeface="Times New Roman" panose="02020603050405020304" pitchFamily="18" charset="0"/>
-                <a:cs typeface="Times New Roman" panose="02020603050405020304" pitchFamily="18" charset="0"/>
-              </a:rPr>
-              <a:t>Lệnh AT Command</a:t>
-            </a:r>
-            <a:endParaRPr lang="en-US" sz="2500" b="1">
-              <a:latin typeface="Times New Roman" panose="02020603050405020304" pitchFamily="18" charset="0"/>
-              <a:cs typeface="Times New Roman" panose="02020603050405020304" pitchFamily="18" charset="0"/>
-            </a:endParaRPr>
+              <a:rPr lang="en-US" sz="2000" b="1" dirty="0" err="1">
+                <a:latin typeface="Segoe UI Black" panose="020B0A02040204020203" pitchFamily="34" charset="0"/>
+                <a:cs typeface="Times New Roman" panose="02020603050405020304" pitchFamily="18" charset="0"/>
+              </a:rPr>
+              <a:t>Lệnh</a:t>
+            </a:r>
+            <a:r>
+              <a:rPr lang="en-US" sz="2000" b="1" dirty="0">
+                <a:latin typeface="Segoe UI Black" panose="020B0A02040204020203" pitchFamily="34" charset="0"/>
+                <a:cs typeface="Times New Roman" panose="02020603050405020304" pitchFamily="18" charset="0"/>
+              </a:rPr>
+              <a:t> AT Command</a:t>
+            </a:r>
           </a:p>
         </p:txBody>
       </p:sp>
@@ -4371,7 +4587,7 @@
         <p:spPr>
           <a:xfrm>
             <a:off x="1975943" y="2393806"/>
-            <a:ext cx="8517886" cy="477054"/>
+            <a:ext cx="8517886" cy="400110"/>
           </a:xfrm>
           <a:prstGeom prst="rect">
             <a:avLst/>
@@ -4385,16 +4601,145 @@
           <a:lstStyle/>
           <a:p>
             <a:r>
-              <a:rPr lang="en-US" sz="2500" b="1" smtClean="0">
-                <a:latin typeface="Times New Roman" panose="02020603050405020304" pitchFamily="18" charset="0"/>
-                <a:cs typeface="Times New Roman" panose="02020603050405020304" pitchFamily="18" charset="0"/>
-              </a:rPr>
-              <a:t>Ngoài các lệnh cơ bản ở trên, ta còn các lệnh sau:</a:t>
-            </a:r>
-            <a:endParaRPr lang="en-US" sz="2500" b="1">
-              <a:latin typeface="Times New Roman" panose="02020603050405020304" pitchFamily="18" charset="0"/>
-              <a:cs typeface="Times New Roman" panose="02020603050405020304" pitchFamily="18" charset="0"/>
-            </a:endParaRPr>
+              <a:rPr lang="en-US" sz="2000" b="1" dirty="0" err="1">
+                <a:latin typeface="Segoe UI Black" panose="020B0A02040204020203" pitchFamily="34" charset="0"/>
+                <a:cs typeface="Times New Roman" panose="02020603050405020304" pitchFamily="18" charset="0"/>
+              </a:rPr>
+              <a:t>Ngoài</a:t>
+            </a:r>
+            <a:r>
+              <a:rPr lang="en-US" sz="2000" b="1" dirty="0">
+                <a:latin typeface="Segoe UI Black" panose="020B0A02040204020203" pitchFamily="34" charset="0"/>
+                <a:cs typeface="Times New Roman" panose="02020603050405020304" pitchFamily="18" charset="0"/>
+              </a:rPr>
+              <a:t> </a:t>
+            </a:r>
+            <a:r>
+              <a:rPr lang="en-US" sz="2000" b="1" dirty="0" err="1">
+                <a:latin typeface="Segoe UI Black" panose="020B0A02040204020203" pitchFamily="34" charset="0"/>
+                <a:cs typeface="Times New Roman" panose="02020603050405020304" pitchFamily="18" charset="0"/>
+              </a:rPr>
+              <a:t>các</a:t>
+            </a:r>
+            <a:r>
+              <a:rPr lang="en-US" sz="2000" b="1" dirty="0">
+                <a:latin typeface="Segoe UI Black" panose="020B0A02040204020203" pitchFamily="34" charset="0"/>
+                <a:cs typeface="Times New Roman" panose="02020603050405020304" pitchFamily="18" charset="0"/>
+              </a:rPr>
+              <a:t> </a:t>
+            </a:r>
+            <a:r>
+              <a:rPr lang="en-US" sz="2000" b="1" dirty="0" err="1">
+                <a:latin typeface="Segoe UI Black" panose="020B0A02040204020203" pitchFamily="34" charset="0"/>
+                <a:cs typeface="Times New Roman" panose="02020603050405020304" pitchFamily="18" charset="0"/>
+              </a:rPr>
+              <a:t>lệnh</a:t>
+            </a:r>
+            <a:r>
+              <a:rPr lang="en-US" sz="2000" b="1" dirty="0">
+                <a:latin typeface="Segoe UI Black" panose="020B0A02040204020203" pitchFamily="34" charset="0"/>
+                <a:cs typeface="Times New Roman" panose="02020603050405020304" pitchFamily="18" charset="0"/>
+              </a:rPr>
+              <a:t> </a:t>
+            </a:r>
+            <a:r>
+              <a:rPr lang="en-US" sz="2000" b="1" dirty="0" err="1">
+                <a:latin typeface="Segoe UI Black" panose="020B0A02040204020203" pitchFamily="34" charset="0"/>
+                <a:cs typeface="Times New Roman" panose="02020603050405020304" pitchFamily="18" charset="0"/>
+              </a:rPr>
+              <a:t>cơ</a:t>
+            </a:r>
+            <a:r>
+              <a:rPr lang="en-US" sz="2000" b="1" dirty="0">
+                <a:latin typeface="Segoe UI Black" panose="020B0A02040204020203" pitchFamily="34" charset="0"/>
+                <a:cs typeface="Times New Roman" panose="02020603050405020304" pitchFamily="18" charset="0"/>
+              </a:rPr>
+              <a:t> </a:t>
+            </a:r>
+            <a:r>
+              <a:rPr lang="en-US" sz="2000" b="1" dirty="0" err="1">
+                <a:latin typeface="Segoe UI Black" panose="020B0A02040204020203" pitchFamily="34" charset="0"/>
+                <a:cs typeface="Times New Roman" panose="02020603050405020304" pitchFamily="18" charset="0"/>
+              </a:rPr>
+              <a:t>bản</a:t>
+            </a:r>
+            <a:r>
+              <a:rPr lang="en-US" sz="2000" b="1" dirty="0">
+                <a:latin typeface="Segoe UI Black" panose="020B0A02040204020203" pitchFamily="34" charset="0"/>
+                <a:cs typeface="Times New Roman" panose="02020603050405020304" pitchFamily="18" charset="0"/>
+              </a:rPr>
+              <a:t> ở </a:t>
+            </a:r>
+            <a:r>
+              <a:rPr lang="en-US" sz="2000" b="1" dirty="0" err="1">
+                <a:latin typeface="Segoe UI Black" panose="020B0A02040204020203" pitchFamily="34" charset="0"/>
+                <a:cs typeface="Times New Roman" panose="02020603050405020304" pitchFamily="18" charset="0"/>
+              </a:rPr>
+              <a:t>trên</a:t>
+            </a:r>
+            <a:r>
+              <a:rPr lang="en-US" sz="2000" b="1" dirty="0">
+                <a:latin typeface="Segoe UI Black" panose="020B0A02040204020203" pitchFamily="34" charset="0"/>
+                <a:cs typeface="Times New Roman" panose="02020603050405020304" pitchFamily="18" charset="0"/>
+              </a:rPr>
+              <a:t>, ta </a:t>
+            </a:r>
+            <a:r>
+              <a:rPr lang="en-US" sz="2000" b="1" dirty="0" err="1">
+                <a:latin typeface="Segoe UI Black" panose="020B0A02040204020203" pitchFamily="34" charset="0"/>
+                <a:cs typeface="Times New Roman" panose="02020603050405020304" pitchFamily="18" charset="0"/>
+              </a:rPr>
+              <a:t>còn</a:t>
+            </a:r>
+            <a:r>
+              <a:rPr lang="en-US" sz="2000" b="1" dirty="0">
+                <a:latin typeface="Segoe UI Black" panose="020B0A02040204020203" pitchFamily="34" charset="0"/>
+                <a:cs typeface="Times New Roman" panose="02020603050405020304" pitchFamily="18" charset="0"/>
+              </a:rPr>
+              <a:t> </a:t>
+            </a:r>
+            <a:r>
+              <a:rPr lang="en-US" sz="2000" b="1" dirty="0" err="1">
+                <a:latin typeface="Segoe UI Black" panose="020B0A02040204020203" pitchFamily="34" charset="0"/>
+                <a:cs typeface="Times New Roman" panose="02020603050405020304" pitchFamily="18" charset="0"/>
+              </a:rPr>
+              <a:t>các</a:t>
+            </a:r>
+            <a:r>
+              <a:rPr lang="en-US" sz="2000" b="1" dirty="0">
+                <a:latin typeface="Segoe UI Black" panose="020B0A02040204020203" pitchFamily="34" charset="0"/>
+                <a:cs typeface="Times New Roman" panose="02020603050405020304" pitchFamily="18" charset="0"/>
+              </a:rPr>
+              <a:t> </a:t>
+            </a:r>
+            <a:r>
+              <a:rPr lang="en-US" sz="2000" b="1" dirty="0" err="1">
+                <a:latin typeface="Segoe UI Black" panose="020B0A02040204020203" pitchFamily="34" charset="0"/>
+                <a:cs typeface="Times New Roman" panose="02020603050405020304" pitchFamily="18" charset="0"/>
+              </a:rPr>
+              <a:t>lệnh</a:t>
+            </a:r>
+            <a:r>
+              <a:rPr lang="en-US" sz="2000" b="1" dirty="0">
+                <a:latin typeface="Segoe UI Black" panose="020B0A02040204020203" pitchFamily="34" charset="0"/>
+                <a:cs typeface="Times New Roman" panose="02020603050405020304" pitchFamily="18" charset="0"/>
+              </a:rPr>
+              <a:t> </a:t>
+            </a:r>
+            <a:r>
+              <a:rPr lang="en-US" sz="2000" b="1" dirty="0" err="1">
+                <a:latin typeface="Segoe UI Black" panose="020B0A02040204020203" pitchFamily="34" charset="0"/>
+                <a:cs typeface="Times New Roman" panose="02020603050405020304" pitchFamily="18" charset="0"/>
+              </a:rPr>
+              <a:t>sau</a:t>
+            </a:r>
+            <a:r>
+              <a:rPr lang="en-US" sz="2000" b="1" dirty="0">
+                <a:latin typeface="Segoe UI Black" panose="020B0A02040204020203" pitchFamily="34" charset="0"/>
+                <a:cs typeface="Times New Roman" panose="02020603050405020304" pitchFamily="18" charset="0"/>
+              </a:rPr>
+              <a:t>:</a:t>
+            </a:r>
           </a:p>
         </p:txBody>
       </p:sp>
@@ -4473,22 +4818,12 @@
           <a:lstStyle/>
           <a:p>
             <a:r>
-              <a:rPr lang="en-US" sz="5000" b="1" smtClean="0">
-                <a:solidFill>
-                  <a:srgbClr val="FFFF00"/>
-                </a:solidFill>
-                <a:latin typeface="Times New Roman" panose="02020603050405020304" pitchFamily="18" charset="0"/>
+              <a:rPr lang="en-US" sz="4800" b="1" dirty="0">
+                <a:latin typeface="Segoe UI Black" panose="020B0A02040204020203" pitchFamily="34" charset="0"/>
                 <a:cs typeface="Times New Roman" panose="02020603050405020304" pitchFamily="18" charset="0"/>
               </a:rPr>
               <a:t>Thank you for listening</a:t>
             </a:r>
-            <a:endParaRPr lang="en-US" sz="5000" b="1">
-              <a:solidFill>
-                <a:srgbClr val="FFFF00"/>
-              </a:solidFill>
-              <a:latin typeface="Times New Roman" panose="02020603050405020304" pitchFamily="18" charset="0"/>
-              <a:cs typeface="Times New Roman" panose="02020603050405020304" pitchFamily="18" charset="0"/>
-            </a:endParaRPr>
           </a:p>
         </p:txBody>
       </p:sp>
@@ -4508,10 +4843,9 @@
           <a:lstStyle/>
           <a:p>
             <a:r>
-              <a:rPr lang="en-US" smtClean="0"/>
+              <a:rPr lang="en-US"/>
               <a:t>www.indruino.com</a:t>
             </a:r>
-            <a:endParaRPr lang="en-US"/>
           </a:p>
         </p:txBody>
       </p:sp>
@@ -4523,19 +4857,15 @@
         </p:nvSpPr>
         <p:spPr>
           <a:xfrm>
-            <a:off x="2236717" y="3036213"/>
-            <a:ext cx="4611757" cy="861774"/>
+            <a:off x="2668038" y="3838470"/>
+            <a:ext cx="4611757" cy="707886"/>
           </a:xfrm>
           <a:prstGeom prst="rect">
             <a:avLst/>
           </a:prstGeom>
-          <a:solidFill>
-            <a:schemeClr val="tx1"/>
-          </a:solidFill>
+          <a:noFill/>
           <a:ln w="57150">
-            <a:solidFill>
-              <a:srgbClr val="00B0F0"/>
-            </a:solidFill>
+            <a:noFill/>
           </a:ln>
         </p:spPr>
         <p:txBody>
@@ -4545,159 +4875,139 @@
           <a:lstStyle/>
           <a:p>
             <a:r>
-              <a:rPr lang="en-US" sz="2500" err="1" smtClean="0">
+              <a:rPr lang="en-US" sz="2000" dirty="0" err="1">
                 <a:solidFill>
                   <a:schemeClr val="bg1"/>
                 </a:solidFill>
-                <a:latin typeface="Times New Roman" panose="02020603050405020304" pitchFamily="18" charset="0"/>
+                <a:latin typeface="Segoe UI Black" panose="020B0A02040204020203" pitchFamily="34" charset="0"/>
                 <a:cs typeface="Times New Roman" panose="02020603050405020304" pitchFamily="18" charset="0"/>
               </a:rPr>
               <a:t>Diễn</a:t>
             </a:r>
             <a:r>
-              <a:rPr lang="en-US" sz="2500" smtClean="0">
+              <a:rPr lang="en-US" sz="2000" dirty="0">
                 <a:solidFill>
                   <a:schemeClr val="bg1"/>
                 </a:solidFill>
-                <a:latin typeface="Times New Roman" panose="02020603050405020304" pitchFamily="18" charset="0"/>
+                <a:latin typeface="Segoe UI Black" panose="020B0A02040204020203" pitchFamily="34" charset="0"/>
                 <a:cs typeface="Times New Roman" panose="02020603050405020304" pitchFamily="18" charset="0"/>
               </a:rPr>
               <a:t> </a:t>
             </a:r>
             <a:r>
-              <a:rPr lang="en-US" sz="2500" err="1" smtClean="0">
+              <a:rPr lang="en-US" sz="2000" dirty="0" err="1">
                 <a:solidFill>
                   <a:schemeClr val="bg1"/>
                 </a:solidFill>
-                <a:latin typeface="Times New Roman" panose="02020603050405020304" pitchFamily="18" charset="0"/>
+                <a:latin typeface="Segoe UI Black" panose="020B0A02040204020203" pitchFamily="34" charset="0"/>
                 <a:cs typeface="Times New Roman" panose="02020603050405020304" pitchFamily="18" charset="0"/>
               </a:rPr>
               <a:t>giả</a:t>
             </a:r>
             <a:r>
-              <a:rPr lang="en-US" sz="2500" smtClean="0">
+              <a:rPr lang="en-US" sz="2000" dirty="0">
                 <a:solidFill>
                   <a:schemeClr val="bg1"/>
                 </a:solidFill>
-                <a:latin typeface="Times New Roman" panose="02020603050405020304" pitchFamily="18" charset="0"/>
+                <a:latin typeface="Segoe UI Black" panose="020B0A02040204020203" pitchFamily="34" charset="0"/>
                 <a:cs typeface="Times New Roman" panose="02020603050405020304" pitchFamily="18" charset="0"/>
               </a:rPr>
               <a:t>: Phan </a:t>
             </a:r>
             <a:r>
-              <a:rPr lang="en-US" sz="2500" err="1" smtClean="0">
+              <a:rPr lang="en-US" sz="2000" dirty="0" err="1">
                 <a:solidFill>
                   <a:schemeClr val="bg1"/>
                 </a:solidFill>
-                <a:latin typeface="Times New Roman" panose="02020603050405020304" pitchFamily="18" charset="0"/>
+                <a:latin typeface="Segoe UI Black" panose="020B0A02040204020203" pitchFamily="34" charset="0"/>
                 <a:cs typeface="Times New Roman" panose="02020603050405020304" pitchFamily="18" charset="0"/>
               </a:rPr>
               <a:t>Hoàng</a:t>
             </a:r>
             <a:r>
-              <a:rPr lang="en-US" sz="2500" smtClean="0">
+              <a:rPr lang="en-US" sz="2000" dirty="0">
                 <a:solidFill>
                   <a:schemeClr val="bg1"/>
                 </a:solidFill>
-                <a:latin typeface="Times New Roman" panose="02020603050405020304" pitchFamily="18" charset="0"/>
-                <a:cs typeface="Times New Roman" panose="02020603050405020304" pitchFamily="18" charset="0"/>
-              </a:rPr>
-              <a:t> </a:t>
-            </a:r>
-            <a:r>
-              <a:rPr lang="en-US" sz="2500" err="1" smtClean="0">
+                <a:latin typeface="Segoe UI Black" panose="020B0A02040204020203" pitchFamily="34" charset="0"/>
+                <a:cs typeface="Times New Roman" panose="02020603050405020304" pitchFamily="18" charset="0"/>
+              </a:rPr>
+              <a:t> Anh </a:t>
+            </a:r>
+            <a:r>
+              <a:rPr lang="en-US" sz="2000" dirty="0" err="1">
                 <a:solidFill>
                   <a:schemeClr val="bg1"/>
                 </a:solidFill>
-                <a:latin typeface="Times New Roman" panose="02020603050405020304" pitchFamily="18" charset="0"/>
-                <a:cs typeface="Times New Roman" panose="02020603050405020304" pitchFamily="18" charset="0"/>
-              </a:rPr>
-              <a:t>Anh</a:t>
-            </a:r>
-            <a:r>
-              <a:rPr lang="en-US" sz="2500" smtClean="0">
+                <a:latin typeface="Segoe UI Black" panose="020B0A02040204020203" pitchFamily="34" charset="0"/>
+                <a:cs typeface="Times New Roman" panose="02020603050405020304" pitchFamily="18" charset="0"/>
+              </a:rPr>
+              <a:t>Tuấn</a:t>
+            </a:r>
+            <a:endParaRPr lang="en-US" sz="2000" dirty="0">
+              <a:solidFill>
+                <a:schemeClr val="bg1"/>
+              </a:solidFill>
+              <a:latin typeface="Segoe UI Black" panose="020B0A02040204020203" pitchFamily="34" charset="0"/>
+              <a:cs typeface="Times New Roman" panose="02020603050405020304" pitchFamily="18" charset="0"/>
+            </a:endParaRPr>
+          </a:p>
+          <a:p>
+            <a:r>
+              <a:rPr lang="en-US" sz="2000" dirty="0" err="1">
                 <a:solidFill>
                   <a:schemeClr val="bg1"/>
                 </a:solidFill>
-                <a:latin typeface="Times New Roman" panose="02020603050405020304" pitchFamily="18" charset="0"/>
-                <a:cs typeface="Times New Roman" panose="02020603050405020304" pitchFamily="18" charset="0"/>
-              </a:rPr>
-              <a:t> </a:t>
-            </a:r>
-            <a:r>
-              <a:rPr lang="en-US" sz="2500" err="1" smtClean="0">
+                <a:latin typeface="Segoe UI Black" panose="020B0A02040204020203" pitchFamily="34" charset="0"/>
+                <a:cs typeface="Times New Roman" panose="02020603050405020304" pitchFamily="18" charset="0"/>
+              </a:rPr>
+              <a:t>Bộ</a:t>
+            </a:r>
+            <a:r>
+              <a:rPr lang="en-US" sz="2000" dirty="0">
                 <a:solidFill>
                   <a:schemeClr val="bg1"/>
                 </a:solidFill>
-                <a:latin typeface="Times New Roman" panose="02020603050405020304" pitchFamily="18" charset="0"/>
-                <a:cs typeface="Times New Roman" panose="02020603050405020304" pitchFamily="18" charset="0"/>
-              </a:rPr>
-              <a:t>Tuấn</a:t>
-            </a:r>
-            <a:endParaRPr lang="en-US" sz="2500" smtClean="0">
+                <a:latin typeface="Segoe UI Black" panose="020B0A02040204020203" pitchFamily="34" charset="0"/>
+                <a:cs typeface="Times New Roman" panose="02020603050405020304" pitchFamily="18" charset="0"/>
+              </a:rPr>
+              <a:t> </a:t>
+            </a:r>
+            <a:r>
+              <a:rPr lang="en-US" sz="2000" dirty="0" err="1">
+                <a:solidFill>
+                  <a:schemeClr val="bg1"/>
+                </a:solidFill>
+                <a:latin typeface="Segoe UI Black" panose="020B0A02040204020203" pitchFamily="34" charset="0"/>
+                <a:cs typeface="Times New Roman" panose="02020603050405020304" pitchFamily="18" charset="0"/>
+              </a:rPr>
+              <a:t>phận</a:t>
+            </a:r>
+            <a:r>
+              <a:rPr lang="en-US" sz="2000" dirty="0">
+                <a:solidFill>
+                  <a:schemeClr val="bg1"/>
+                </a:solidFill>
+                <a:latin typeface="Segoe UI Black" panose="020B0A02040204020203" pitchFamily="34" charset="0"/>
+                <a:cs typeface="Times New Roman" panose="02020603050405020304" pitchFamily="18" charset="0"/>
+              </a:rPr>
+              <a:t>: IoT - </a:t>
+            </a:r>
+            <a:r>
+              <a:rPr lang="en-US" sz="2000" dirty="0" err="1">
+                <a:solidFill>
+                  <a:schemeClr val="bg1"/>
+                </a:solidFill>
+                <a:latin typeface="Segoe UI Black" panose="020B0A02040204020203" pitchFamily="34" charset="0"/>
+                <a:cs typeface="Times New Roman" panose="02020603050405020304" pitchFamily="18" charset="0"/>
+              </a:rPr>
+              <a:t>Indruino</a:t>
+            </a:r>
+            <a:endParaRPr lang="en-US" sz="2000" dirty="0">
               <a:solidFill>
                 <a:schemeClr val="bg1"/>
               </a:solidFill>
-              <a:latin typeface="Times New Roman" panose="02020603050405020304" pitchFamily="18" charset="0"/>
-              <a:cs typeface="Times New Roman" panose="02020603050405020304" pitchFamily="18" charset="0"/>
-            </a:endParaRPr>
-          </a:p>
-          <a:p>
-            <a:r>
-              <a:rPr lang="en-US" sz="2500" err="1" smtClean="0">
-                <a:solidFill>
-                  <a:schemeClr val="bg1"/>
-                </a:solidFill>
-                <a:latin typeface="Times New Roman" panose="02020603050405020304" pitchFamily="18" charset="0"/>
-                <a:cs typeface="Times New Roman" panose="02020603050405020304" pitchFamily="18" charset="0"/>
-              </a:rPr>
-              <a:t>Bộ</a:t>
-            </a:r>
-            <a:r>
-              <a:rPr lang="en-US" sz="2500" smtClean="0">
-                <a:solidFill>
-                  <a:schemeClr val="bg1"/>
-                </a:solidFill>
-                <a:latin typeface="Times New Roman" panose="02020603050405020304" pitchFamily="18" charset="0"/>
-                <a:cs typeface="Times New Roman" panose="02020603050405020304" pitchFamily="18" charset="0"/>
-              </a:rPr>
-              <a:t> </a:t>
-            </a:r>
-            <a:r>
-              <a:rPr lang="en-US" sz="2500" err="1" smtClean="0">
-                <a:solidFill>
-                  <a:schemeClr val="bg1"/>
-                </a:solidFill>
-                <a:latin typeface="Times New Roman" panose="02020603050405020304" pitchFamily="18" charset="0"/>
-                <a:cs typeface="Times New Roman" panose="02020603050405020304" pitchFamily="18" charset="0"/>
-              </a:rPr>
-              <a:t>phận</a:t>
-            </a:r>
-            <a:r>
-              <a:rPr lang="en-US" sz="2500" smtClean="0">
-                <a:solidFill>
-                  <a:schemeClr val="bg1"/>
-                </a:solidFill>
-                <a:latin typeface="Times New Roman" panose="02020603050405020304" pitchFamily="18" charset="0"/>
-                <a:cs typeface="Times New Roman" panose="02020603050405020304" pitchFamily="18" charset="0"/>
-              </a:rPr>
-              <a:t>: IoT - </a:t>
-            </a:r>
-            <a:r>
-              <a:rPr lang="en-US" sz="2500" err="1" smtClean="0">
-                <a:solidFill>
-                  <a:schemeClr val="bg1"/>
-                </a:solidFill>
-                <a:latin typeface="Times New Roman" panose="02020603050405020304" pitchFamily="18" charset="0"/>
-                <a:cs typeface="Times New Roman" panose="02020603050405020304" pitchFamily="18" charset="0"/>
-              </a:rPr>
-              <a:t>Indruino</a:t>
-            </a:r>
-            <a:endParaRPr lang="en-US" sz="2500">
-              <a:solidFill>
-                <a:schemeClr val="bg1"/>
-              </a:solidFill>
-              <a:latin typeface="Times New Roman" panose="02020603050405020304" pitchFamily="18" charset="0"/>
+              <a:latin typeface="Segoe UI Black" panose="020B0A02040204020203" pitchFamily="34" charset="0"/>
               <a:cs typeface="Times New Roman" panose="02020603050405020304" pitchFamily="18" charset="0"/>
             </a:endParaRPr>
           </a:p>
@@ -4713,13 +5023,6 @@
   <p:clrMapOvr>
     <a:masterClrMapping/>
   </p:clrMapOvr>
-  <p:timing>
-    <p:tnLst>
-      <p:par>
-        <p:cTn id="1" dur="indefinite" restart="never" nodeType="tmRoot"/>
-      </p:par>
-    </p:tnLst>
-  </p:timing>
 </p:sld>
 </file>
 
@@ -4752,12 +5055,10 @@
         </p:nvSpPr>
         <p:spPr>
           <a:xfrm>
-            <a:off x="1529047" y="1565448"/>
-            <a:ext cx="6027094" cy="1995270"/>
-          </a:xfrm>
-          <a:solidFill>
-            <a:srgbClr val="FFFF00"/>
-          </a:solidFill>
+            <a:off x="396815" y="1565448"/>
+            <a:ext cx="7159326" cy="1995270"/>
+          </a:xfrm>
+          <a:noFill/>
         </p:spPr>
         <p:txBody>
           <a:bodyPr/>
@@ -4765,22 +5066,20 @@
           <a:p>
             <a:pPr algn="ctr"/>
             <a:r>
-              <a:rPr lang="en-US" sz="7000" b="1" smtClean="0">
-                <a:solidFill>
-                  <a:srgbClr val="FF0000"/>
-                </a:solidFill>
-                <a:latin typeface="Times New Roman" panose="02020603050405020304" pitchFamily="18" charset="0"/>
+              <a:rPr lang="en-US" sz="4800" dirty="0">
+                <a:ln w="0"/>
+                <a:effectLst>
+                  <a:outerShdw blurRad="38100" dist="19050" dir="2700000" algn="tl" rotWithShape="0">
+                    <a:schemeClr val="dk1">
+                      <a:alpha val="40000"/>
+                    </a:schemeClr>
+                  </a:outerShdw>
+                </a:effectLst>
+                <a:latin typeface="Segoe UI Black" panose="020B0A02040204020203" pitchFamily="34" charset="0"/>
                 <a:cs typeface="Times New Roman" panose="02020603050405020304" pitchFamily="18" charset="0"/>
               </a:rPr>
               <a:t>AT Command</a:t>
             </a:r>
-            <a:endParaRPr lang="en-US" sz="7000" b="1">
-              <a:solidFill>
-                <a:srgbClr val="FF0000"/>
-              </a:solidFill>
-              <a:latin typeface="Times New Roman" panose="02020603050405020304" pitchFamily="18" charset="0"/>
-              <a:cs typeface="Times New Roman" panose="02020603050405020304" pitchFamily="18" charset="0"/>
-            </a:endParaRPr>
           </a:p>
         </p:txBody>
       </p:sp>
@@ -4800,198 +5099,9 @@
           <a:lstStyle/>
           <a:p>
             <a:r>
-              <a:rPr lang="en-US" smtClean="0"/>
+              <a:rPr lang="en-US"/>
               <a:t>www.indruino.com</a:t>
             </a:r>
-            <a:endParaRPr lang="en-US"/>
-          </a:p>
-        </p:txBody>
-      </p:sp>
-      <p:sp>
-        <p:nvSpPr>
-          <p:cNvPr id="5" name="TextBox 4"/>
-          <p:cNvSpPr txBox="1"/>
-          <p:nvPr/>
-        </p:nvSpPr>
-        <p:spPr>
-          <a:xfrm>
-            <a:off x="2236716" y="4098014"/>
-            <a:ext cx="4611757" cy="861774"/>
-          </a:xfrm>
-          <a:prstGeom prst="rect">
-            <a:avLst/>
-          </a:prstGeom>
-          <a:solidFill>
-            <a:schemeClr val="tx1"/>
-          </a:solidFill>
-          <a:ln w="57150">
-            <a:solidFill>
-              <a:srgbClr val="00B0F0"/>
-            </a:solidFill>
-          </a:ln>
-        </p:spPr>
-        <p:txBody>
-          <a:bodyPr wrap="square" rtlCol="0">
-            <a:spAutoFit/>
-          </a:bodyPr>
-          <a:lstStyle/>
-          <a:p>
-            <a:r>
-              <a:rPr lang="en-US" sz="2500" err="1" smtClean="0">
-                <a:solidFill>
-                  <a:schemeClr val="bg1"/>
-                </a:solidFill>
-                <a:latin typeface="Times New Roman" panose="02020603050405020304" pitchFamily="18" charset="0"/>
-                <a:cs typeface="Times New Roman" panose="02020603050405020304" pitchFamily="18" charset="0"/>
-              </a:rPr>
-              <a:t>Diễn</a:t>
-            </a:r>
-            <a:r>
-              <a:rPr lang="en-US" sz="2500" smtClean="0">
-                <a:solidFill>
-                  <a:schemeClr val="bg1"/>
-                </a:solidFill>
-                <a:latin typeface="Times New Roman" panose="02020603050405020304" pitchFamily="18" charset="0"/>
-                <a:cs typeface="Times New Roman" panose="02020603050405020304" pitchFamily="18" charset="0"/>
-              </a:rPr>
-              <a:t> </a:t>
-            </a:r>
-            <a:r>
-              <a:rPr lang="en-US" sz="2500" err="1" smtClean="0">
-                <a:solidFill>
-                  <a:schemeClr val="bg1"/>
-                </a:solidFill>
-                <a:latin typeface="Times New Roman" panose="02020603050405020304" pitchFamily="18" charset="0"/>
-                <a:cs typeface="Times New Roman" panose="02020603050405020304" pitchFamily="18" charset="0"/>
-              </a:rPr>
-              <a:t>giả</a:t>
-            </a:r>
-            <a:r>
-              <a:rPr lang="en-US" sz="2500" smtClean="0">
-                <a:solidFill>
-                  <a:schemeClr val="bg1"/>
-                </a:solidFill>
-                <a:latin typeface="Times New Roman" panose="02020603050405020304" pitchFamily="18" charset="0"/>
-                <a:cs typeface="Times New Roman" panose="02020603050405020304" pitchFamily="18" charset="0"/>
-              </a:rPr>
-              <a:t>: Phan </a:t>
-            </a:r>
-            <a:r>
-              <a:rPr lang="en-US" sz="2500" err="1" smtClean="0">
-                <a:solidFill>
-                  <a:schemeClr val="bg1"/>
-                </a:solidFill>
-                <a:latin typeface="Times New Roman" panose="02020603050405020304" pitchFamily="18" charset="0"/>
-                <a:cs typeface="Times New Roman" panose="02020603050405020304" pitchFamily="18" charset="0"/>
-              </a:rPr>
-              <a:t>Hoàng</a:t>
-            </a:r>
-            <a:r>
-              <a:rPr lang="en-US" sz="2500" smtClean="0">
-                <a:solidFill>
-                  <a:schemeClr val="bg1"/>
-                </a:solidFill>
-                <a:latin typeface="Times New Roman" panose="02020603050405020304" pitchFamily="18" charset="0"/>
-                <a:cs typeface="Times New Roman" panose="02020603050405020304" pitchFamily="18" charset="0"/>
-              </a:rPr>
-              <a:t> </a:t>
-            </a:r>
-            <a:r>
-              <a:rPr lang="en-US" sz="2500" err="1" smtClean="0">
-                <a:solidFill>
-                  <a:schemeClr val="bg1"/>
-                </a:solidFill>
-                <a:latin typeface="Times New Roman" panose="02020603050405020304" pitchFamily="18" charset="0"/>
-                <a:cs typeface="Times New Roman" panose="02020603050405020304" pitchFamily="18" charset="0"/>
-              </a:rPr>
-              <a:t>Anh</a:t>
-            </a:r>
-            <a:r>
-              <a:rPr lang="en-US" sz="2500" smtClean="0">
-                <a:solidFill>
-                  <a:schemeClr val="bg1"/>
-                </a:solidFill>
-                <a:latin typeface="Times New Roman" panose="02020603050405020304" pitchFamily="18" charset="0"/>
-                <a:cs typeface="Times New Roman" panose="02020603050405020304" pitchFamily="18" charset="0"/>
-              </a:rPr>
-              <a:t> </a:t>
-            </a:r>
-            <a:r>
-              <a:rPr lang="en-US" sz="2500" err="1" smtClean="0">
-                <a:solidFill>
-                  <a:schemeClr val="bg1"/>
-                </a:solidFill>
-                <a:latin typeface="Times New Roman" panose="02020603050405020304" pitchFamily="18" charset="0"/>
-                <a:cs typeface="Times New Roman" panose="02020603050405020304" pitchFamily="18" charset="0"/>
-              </a:rPr>
-              <a:t>Tuấn</a:t>
-            </a:r>
-            <a:endParaRPr lang="en-US" sz="2500" smtClean="0">
-              <a:solidFill>
-                <a:schemeClr val="bg1"/>
-              </a:solidFill>
-              <a:latin typeface="Times New Roman" panose="02020603050405020304" pitchFamily="18" charset="0"/>
-              <a:cs typeface="Times New Roman" panose="02020603050405020304" pitchFamily="18" charset="0"/>
-            </a:endParaRPr>
-          </a:p>
-          <a:p>
-            <a:r>
-              <a:rPr lang="en-US" sz="2500" err="1" smtClean="0">
-                <a:solidFill>
-                  <a:schemeClr val="bg1"/>
-                </a:solidFill>
-                <a:latin typeface="Times New Roman" panose="02020603050405020304" pitchFamily="18" charset="0"/>
-                <a:cs typeface="Times New Roman" panose="02020603050405020304" pitchFamily="18" charset="0"/>
-              </a:rPr>
-              <a:t>Bộ</a:t>
-            </a:r>
-            <a:r>
-              <a:rPr lang="en-US" sz="2500" smtClean="0">
-                <a:solidFill>
-                  <a:schemeClr val="bg1"/>
-                </a:solidFill>
-                <a:latin typeface="Times New Roman" panose="02020603050405020304" pitchFamily="18" charset="0"/>
-                <a:cs typeface="Times New Roman" panose="02020603050405020304" pitchFamily="18" charset="0"/>
-              </a:rPr>
-              <a:t> </a:t>
-            </a:r>
-            <a:r>
-              <a:rPr lang="en-US" sz="2500" err="1" smtClean="0">
-                <a:solidFill>
-                  <a:schemeClr val="bg1"/>
-                </a:solidFill>
-                <a:latin typeface="Times New Roman" panose="02020603050405020304" pitchFamily="18" charset="0"/>
-                <a:cs typeface="Times New Roman" panose="02020603050405020304" pitchFamily="18" charset="0"/>
-              </a:rPr>
-              <a:t>phận</a:t>
-            </a:r>
-            <a:r>
-              <a:rPr lang="en-US" sz="2500" smtClean="0">
-                <a:solidFill>
-                  <a:schemeClr val="bg1"/>
-                </a:solidFill>
-                <a:latin typeface="Times New Roman" panose="02020603050405020304" pitchFamily="18" charset="0"/>
-                <a:cs typeface="Times New Roman" panose="02020603050405020304" pitchFamily="18" charset="0"/>
-              </a:rPr>
-              <a:t>: IoT - </a:t>
-            </a:r>
-            <a:r>
-              <a:rPr lang="en-US" sz="2500" err="1" smtClean="0">
-                <a:solidFill>
-                  <a:schemeClr val="bg1"/>
-                </a:solidFill>
-                <a:latin typeface="Times New Roman" panose="02020603050405020304" pitchFamily="18" charset="0"/>
-                <a:cs typeface="Times New Roman" panose="02020603050405020304" pitchFamily="18" charset="0"/>
-              </a:rPr>
-              <a:t>Indruino</a:t>
-            </a:r>
-            <a:endParaRPr lang="en-US" sz="2500">
-              <a:solidFill>
-                <a:schemeClr val="bg1"/>
-              </a:solidFill>
-              <a:latin typeface="Times New Roman" panose="02020603050405020304" pitchFamily="18" charset="0"/>
-              <a:cs typeface="Times New Roman" panose="02020603050405020304" pitchFamily="18" charset="0"/>
-            </a:endParaRPr>
           </a:p>
         </p:txBody>
       </p:sp>
@@ -5005,13 +5115,6 @@
   <p:clrMapOvr>
     <a:masterClrMapping/>
   </p:clrMapOvr>
-  <p:timing>
-    <p:tnLst>
-      <p:par>
-        <p:cTn id="1" dur="indefinite" restart="never" nodeType="tmRoot"/>
-      </p:par>
-    </p:tnLst>
-  </p:timing>
 </p:sld>
 </file>
 
@@ -5041,7 +5144,7 @@
         <p:spPr>
           <a:xfrm>
             <a:off x="1772645" y="490573"/>
-            <a:ext cx="10037378" cy="923330"/>
+            <a:ext cx="10037378" cy="553998"/>
           </a:xfrm>
           <a:prstGeom prst="rect">
             <a:avLst/>
@@ -5054,24 +5157,16 @@
           </a:bodyPr>
           <a:lstStyle/>
           <a:p>
-            <a:pPr algn="ctr"/>
-            <a:r>
-              <a:rPr lang="en-US" sz="5400" b="1">
+            <a:r>
+              <a:rPr lang="en-US" sz="3000" b="1" dirty="0">
                 <a:solidFill>
                   <a:srgbClr val="FF0000"/>
                 </a:solidFill>
-                <a:latin typeface="Times New Roman" panose="02020603050405020304" pitchFamily="18" charset="0"/>
+                <a:latin typeface="Segoe UI Black" panose="020B0A02040204020203" pitchFamily="34" charset="0"/>
                 <a:cs typeface="Times New Roman" panose="02020603050405020304" pitchFamily="18" charset="0"/>
               </a:rPr>
               <a:t>AT Command</a:t>
             </a:r>
-            <a:endParaRPr lang="en-US" sz="5000" b="1">
-              <a:solidFill>
-                <a:srgbClr val="FF0000"/>
-              </a:solidFill>
-              <a:latin typeface="Times New Roman" panose="02020603050405020304" pitchFamily="18" charset="0"/>
-              <a:cs typeface="Times New Roman" panose="02020603050405020304" pitchFamily="18" charset="0"/>
-            </a:endParaRPr>
           </a:p>
         </p:txBody>
       </p:sp>
@@ -5084,7 +5179,7 @@
         <p:spPr>
           <a:xfrm>
             <a:off x="1862733" y="2436297"/>
-            <a:ext cx="10037378" cy="2977738"/>
+            <a:ext cx="10037378" cy="2343334"/>
           </a:xfrm>
           <a:prstGeom prst="rect">
             <a:avLst/>
@@ -5105,143 +5200,73 @@
               <a:buChar char="•"/>
             </a:pPr>
             <a:r>
-              <a:rPr lang="en-US" sz="2500" b="1">
-                <a:latin typeface="Times New Roman" panose="02020603050405020304" pitchFamily="18" charset="0"/>
+              <a:rPr lang="en-US" sz="2000" b="1" dirty="0">
+                <a:latin typeface="Segoe UI Black" panose="020B0A02040204020203" pitchFamily="34" charset="0"/>
                 <a:cs typeface="Times New Roman" panose="02020603050405020304" pitchFamily="18" charset="0"/>
               </a:rPr>
               <a:t>Hayes command set</a:t>
             </a:r>
             <a:r>
-              <a:rPr lang="en-US" sz="2500">
-                <a:latin typeface="Times New Roman" panose="02020603050405020304" pitchFamily="18" charset="0"/>
-                <a:cs typeface="Times New Roman" panose="02020603050405020304" pitchFamily="18" charset="0"/>
-              </a:rPr>
-              <a:t> </a:t>
-            </a:r>
-            <a:r>
-              <a:rPr lang="en-US" sz="2500" smtClean="0">
-                <a:latin typeface="Times New Roman" panose="02020603050405020304" pitchFamily="18" charset="0"/>
-                <a:cs typeface="Times New Roman" panose="02020603050405020304" pitchFamily="18" charset="0"/>
-              </a:rPr>
-              <a:t>- </a:t>
-            </a:r>
-            <a:r>
-              <a:rPr lang="en-US" sz="2500" b="1" smtClean="0">
-                <a:latin typeface="Times New Roman" panose="02020603050405020304" pitchFamily="18" charset="0"/>
-                <a:cs typeface="Times New Roman" panose="02020603050405020304" pitchFamily="18" charset="0"/>
-              </a:rPr>
-              <a:t>AT </a:t>
-            </a:r>
-            <a:r>
-              <a:rPr lang="en-US" sz="2500" b="1">
-                <a:latin typeface="Times New Roman" panose="02020603050405020304" pitchFamily="18" charset="0"/>
-                <a:cs typeface="Times New Roman" panose="02020603050405020304" pitchFamily="18" charset="0"/>
-              </a:rPr>
-              <a:t>command </a:t>
-            </a:r>
-            <a:r>
-              <a:rPr lang="en-US" sz="2500" b="1" smtClean="0">
-                <a:latin typeface="Times New Roman" panose="02020603050405020304" pitchFamily="18" charset="0"/>
-                <a:cs typeface="Times New Roman" panose="02020603050405020304" pitchFamily="18" charset="0"/>
-              </a:rPr>
-              <a:t>set</a:t>
-            </a:r>
-            <a:r>
-              <a:rPr lang="en-US" sz="2500" b="1" smtClean="0">
+              <a:rPr lang="en-US" sz="2000" dirty="0">
+                <a:latin typeface="Segoe UI Black" panose="020B0A02040204020203" pitchFamily="34" charset="0"/>
+                <a:cs typeface="Times New Roman" panose="02020603050405020304" pitchFamily="18" charset="0"/>
+              </a:rPr>
+              <a:t> - </a:t>
+            </a:r>
+            <a:r>
+              <a:rPr lang="en-US" sz="2000" b="1" dirty="0">
+                <a:latin typeface="Segoe UI Black" panose="020B0A02040204020203" pitchFamily="34" charset="0"/>
+                <a:cs typeface="Times New Roman" panose="02020603050405020304" pitchFamily="18" charset="0"/>
+              </a:rPr>
+              <a:t>AT command set</a:t>
+            </a:r>
+            <a:r>
+              <a:rPr lang="en-US" sz="2000" b="1" dirty="0">
                 <a:solidFill>
                   <a:srgbClr val="FF0000"/>
                 </a:solidFill>
-                <a:latin typeface="Times New Roman" panose="02020603050405020304" pitchFamily="18" charset="0"/>
+                <a:latin typeface="Segoe UI Black" panose="020B0A02040204020203" pitchFamily="34" charset="0"/>
                 <a:cs typeface="Times New Roman" panose="02020603050405020304" pitchFamily="18" charset="0"/>
               </a:rPr>
               <a:t> </a:t>
             </a:r>
             <a:r>
-              <a:rPr lang="vi-VN" sz="2500" smtClean="0">
-                <a:latin typeface="Times New Roman" panose="02020603050405020304" pitchFamily="18" charset="0"/>
-                <a:cs typeface="Times New Roman" panose="02020603050405020304" pitchFamily="18" charset="0"/>
-              </a:rPr>
-              <a:t>là </a:t>
-            </a:r>
-            <a:r>
-              <a:rPr lang="vi-VN" sz="2500">
-                <a:latin typeface="Times New Roman" panose="02020603050405020304" pitchFamily="18" charset="0"/>
-                <a:cs typeface="Times New Roman" panose="02020603050405020304" pitchFamily="18" charset="0"/>
-              </a:rPr>
-              <a:t>một ngôn ngữ lệnh cụ thể ban đầu được phát triển bởi Dennis </a:t>
-            </a:r>
-            <a:r>
-              <a:rPr lang="vi-VN" sz="2500">
-                <a:latin typeface="Times New Roman" panose="02020603050405020304" pitchFamily="18" charset="0"/>
+              <a:rPr lang="vi-VN" sz="2000" dirty="0">
+                <a:latin typeface="Segoe UI Black" panose="020B0A02040204020203" pitchFamily="34" charset="0"/>
+                <a:cs typeface="Times New Roman" panose="02020603050405020304" pitchFamily="18" charset="0"/>
+              </a:rPr>
+              <a:t>là một ngôn ngữ lệnh cụ thể ban đầu được phát triển bởi Dennis Hayes cho </a:t>
+            </a:r>
+            <a:r>
+              <a:rPr lang="en-US" sz="2000" dirty="0">
+                <a:latin typeface="Segoe UI Black" panose="020B0A02040204020203" pitchFamily="34" charset="0"/>
                 <a:cs typeface="Times New Roman" panose="02020603050405020304" pitchFamily="18" charset="0"/>
               </a:rPr>
               <a:t>Hayes </a:t>
             </a:r>
             <a:r>
-              <a:rPr lang="vi-VN" sz="2500" smtClean="0">
-                <a:latin typeface="Times New Roman" panose="02020603050405020304" pitchFamily="18" charset="0"/>
-                <a:cs typeface="Times New Roman" panose="02020603050405020304" pitchFamily="18" charset="0"/>
-              </a:rPr>
-              <a:t>cho </a:t>
-            </a:r>
-            <a:r>
-              <a:rPr lang="en-US" sz="2500" smtClean="0">
-                <a:latin typeface="Times New Roman" panose="02020603050405020304" pitchFamily="18" charset="0"/>
-                <a:cs typeface="Times New Roman" panose="02020603050405020304" pitchFamily="18" charset="0"/>
-              </a:rPr>
-              <a:t>Hayes </a:t>
-            </a:r>
-            <a:r>
-              <a:rPr lang="en-US" sz="2500">
-                <a:latin typeface="Times New Roman" panose="02020603050405020304" pitchFamily="18" charset="0"/>
-                <a:cs typeface="Times New Roman" panose="02020603050405020304" pitchFamily="18" charset="0"/>
-              </a:rPr>
-              <a:t>Smartmodem 300 </a:t>
-            </a:r>
-            <a:r>
-              <a:rPr lang="en-US" sz="2500">
-                <a:latin typeface="Times New Roman" panose="02020603050405020304" pitchFamily="18" charset="0"/>
-                <a:cs typeface="Times New Roman" panose="02020603050405020304" pitchFamily="18" charset="0"/>
-              </a:rPr>
-              <a:t>baud </a:t>
-            </a:r>
-            <a:r>
-              <a:rPr lang="en-US" sz="2500" smtClean="0">
-                <a:latin typeface="Times New Roman" panose="02020603050405020304" pitchFamily="18" charset="0"/>
-                <a:cs typeface="Times New Roman" panose="02020603050405020304" pitchFamily="18" charset="0"/>
-              </a:rPr>
-              <a:t>modem </a:t>
-            </a:r>
-            <a:r>
-              <a:rPr lang="vi-VN" sz="2500" smtClean="0">
-                <a:latin typeface="Times New Roman" panose="02020603050405020304" pitchFamily="18" charset="0"/>
-                <a:cs typeface="Times New Roman" panose="02020603050405020304" pitchFamily="18" charset="0"/>
-              </a:rPr>
-              <a:t>vào </a:t>
-            </a:r>
-            <a:r>
-              <a:rPr lang="vi-VN" sz="2500">
-                <a:latin typeface="Times New Roman" panose="02020603050405020304" pitchFamily="18" charset="0"/>
-                <a:cs typeface="Times New Roman" panose="02020603050405020304" pitchFamily="18" charset="0"/>
-              </a:rPr>
-              <a:t>năm </a:t>
-            </a:r>
-            <a:r>
-              <a:rPr lang="vi-VN" sz="2500">
-                <a:latin typeface="Times New Roman" panose="02020603050405020304" pitchFamily="18" charset="0"/>
-                <a:cs typeface="Times New Roman" panose="02020603050405020304" pitchFamily="18" charset="0"/>
-              </a:rPr>
-              <a:t>1981</a:t>
-            </a:r>
-            <a:r>
-              <a:rPr lang="vi-VN" sz="2500" smtClean="0">
-                <a:latin typeface="Times New Roman" panose="02020603050405020304" pitchFamily="18" charset="0"/>
-                <a:cs typeface="Times New Roman" panose="02020603050405020304" pitchFamily="18" charset="0"/>
-              </a:rPr>
-              <a:t>.</a:t>
-            </a:r>
-            <a:endParaRPr lang="en-US" sz="2500" smtClean="0">
-              <a:latin typeface="Times New Roman" panose="02020603050405020304" pitchFamily="18" charset="0"/>
+              <a:rPr lang="en-US" sz="2000" dirty="0" err="1">
+                <a:latin typeface="Segoe UI Black" panose="020B0A02040204020203" pitchFamily="34" charset="0"/>
+                <a:cs typeface="Times New Roman" panose="02020603050405020304" pitchFamily="18" charset="0"/>
+              </a:rPr>
+              <a:t>Smartmodem</a:t>
+            </a:r>
+            <a:r>
+              <a:rPr lang="en-US" sz="2000" dirty="0">
+                <a:latin typeface="Segoe UI Black" panose="020B0A02040204020203" pitchFamily="34" charset="0"/>
+                <a:cs typeface="Times New Roman" panose="02020603050405020304" pitchFamily="18" charset="0"/>
+              </a:rPr>
+              <a:t> 300 baud modem </a:t>
+            </a:r>
+            <a:r>
+              <a:rPr lang="vi-VN" sz="2000" dirty="0">
+                <a:latin typeface="Segoe UI Black" panose="020B0A02040204020203" pitchFamily="34" charset="0"/>
+                <a:cs typeface="Times New Roman" panose="02020603050405020304" pitchFamily="18" charset="0"/>
+              </a:rPr>
+              <a:t>vào năm 1981.</a:t>
+            </a:r>
+            <a:endParaRPr lang="en-US" sz="2000" dirty="0">
+              <a:latin typeface="Segoe UI Black" panose="020B0A02040204020203" pitchFamily="34" charset="0"/>
               <a:cs typeface="Times New Roman" panose="02020603050405020304" pitchFamily="18" charset="0"/>
             </a:endParaRPr>
           </a:p>
@@ -5254,42 +5279,35 @@
               <a:buChar char="•"/>
             </a:pPr>
             <a:r>
-              <a:rPr lang="vi-VN" sz="2500" smtClean="0">
-                <a:latin typeface="Times New Roman" panose="02020603050405020304" pitchFamily="18" charset="0"/>
-                <a:cs typeface="Times New Roman" panose="02020603050405020304" pitchFamily="18" charset="0"/>
-              </a:rPr>
-              <a:t>Bộ </a:t>
-            </a:r>
-            <a:r>
-              <a:rPr lang="vi-VN" sz="2500">
-                <a:latin typeface="Times New Roman" panose="02020603050405020304" pitchFamily="18" charset="0"/>
-                <a:cs typeface="Times New Roman" panose="02020603050405020304" pitchFamily="18" charset="0"/>
-              </a:rPr>
-              <a:t>lệnh bao gồm một loạt các chuỗi văn bản ngắn có thể được kết hợp để tạo ra các lệnh cho các </a:t>
-            </a:r>
-            <a:r>
-              <a:rPr lang="vi-VN" sz="2500">
-                <a:latin typeface="Times New Roman" panose="02020603050405020304" pitchFamily="18" charset="0"/>
-                <a:cs typeface="Times New Roman" panose="02020603050405020304" pitchFamily="18" charset="0"/>
-              </a:rPr>
-              <a:t>hoạt </a:t>
-            </a:r>
-            <a:r>
-              <a:rPr lang="vi-VN" sz="2500" smtClean="0">
-                <a:latin typeface="Times New Roman" panose="02020603050405020304" pitchFamily="18" charset="0"/>
-                <a:cs typeface="Times New Roman" panose="02020603050405020304" pitchFamily="18" charset="0"/>
-              </a:rPr>
-              <a:t>động</a:t>
-            </a:r>
-            <a:r>
-              <a:rPr lang="en-US" sz="2500" smtClean="0">
-                <a:latin typeface="Times New Roman" panose="02020603050405020304" pitchFamily="18" charset="0"/>
-                <a:cs typeface="Times New Roman" panose="02020603050405020304" pitchFamily="18" charset="0"/>
-              </a:rPr>
-              <a:t> của modem</a:t>
-            </a:r>
-            <a:endParaRPr lang="vi-VN" sz="2500">
-              <a:latin typeface="Times New Roman" panose="02020603050405020304" pitchFamily="18" charset="0"/>
+              <a:rPr lang="vi-VN" sz="2000" dirty="0">
+                <a:latin typeface="Segoe UI Black" panose="020B0A02040204020203" pitchFamily="34" charset="0"/>
+                <a:cs typeface="Times New Roman" panose="02020603050405020304" pitchFamily="18" charset="0"/>
+              </a:rPr>
+              <a:t>Bộ lệnh bao gồm một loạt các chuỗi văn bản ngắn có thể được kết hợp để tạo ra các lệnh cho các hoạt động</a:t>
+            </a:r>
+            <a:r>
+              <a:rPr lang="en-US" sz="2000" dirty="0">
+                <a:latin typeface="Segoe UI Black" panose="020B0A02040204020203" pitchFamily="34" charset="0"/>
+                <a:cs typeface="Times New Roman" panose="02020603050405020304" pitchFamily="18" charset="0"/>
+              </a:rPr>
+              <a:t> </a:t>
+            </a:r>
+            <a:r>
+              <a:rPr lang="en-US" sz="2000" dirty="0" err="1">
+                <a:latin typeface="Segoe UI Black" panose="020B0A02040204020203" pitchFamily="34" charset="0"/>
+                <a:cs typeface="Times New Roman" panose="02020603050405020304" pitchFamily="18" charset="0"/>
+              </a:rPr>
+              <a:t>của</a:t>
+            </a:r>
+            <a:r>
+              <a:rPr lang="en-US" sz="2000" dirty="0">
+                <a:latin typeface="Segoe UI Black" panose="020B0A02040204020203" pitchFamily="34" charset="0"/>
+                <a:cs typeface="Times New Roman" panose="02020603050405020304" pitchFamily="18" charset="0"/>
+              </a:rPr>
+              <a:t> modem</a:t>
+            </a:r>
+            <a:endParaRPr lang="vi-VN" sz="2000" dirty="0">
+              <a:latin typeface="Segoe UI Black" panose="020B0A02040204020203" pitchFamily="34" charset="0"/>
               <a:cs typeface="Times New Roman" panose="02020603050405020304" pitchFamily="18" charset="0"/>
             </a:endParaRPr>
           </a:p>
@@ -5304,7 +5322,7 @@
         <p:spPr>
           <a:xfrm>
             <a:off x="1932403" y="1811198"/>
-            <a:ext cx="1707780" cy="477054"/>
+            <a:ext cx="3070918" cy="400110"/>
           </a:xfrm>
           <a:prstGeom prst="rect">
             <a:avLst/>
@@ -5325,14 +5343,28 @@
           <a:lstStyle/>
           <a:p>
             <a:r>
-              <a:rPr lang="en-US" sz="2500" b="1" smtClean="0">
-                <a:latin typeface="Times New Roman" panose="02020603050405020304" pitchFamily="18" charset="0"/>
-                <a:cs typeface="Times New Roman" panose="02020603050405020304" pitchFamily="18" charset="0"/>
-              </a:rPr>
-              <a:t>Định nghĩa</a:t>
-            </a:r>
-            <a:endParaRPr lang="en-US" sz="2500" b="1">
-              <a:latin typeface="Times New Roman" panose="02020603050405020304" pitchFamily="18" charset="0"/>
+              <a:rPr lang="en-US" sz="2000" b="1" dirty="0" err="1">
+                <a:latin typeface="Segoe UI Black" panose="020B0A02040204020203" pitchFamily="34" charset="0"/>
+                <a:cs typeface="Times New Roman" panose="02020603050405020304" pitchFamily="18" charset="0"/>
+              </a:rPr>
+              <a:t>Định</a:t>
+            </a:r>
+            <a:r>
+              <a:rPr lang="en-US" sz="2000" b="1" dirty="0">
+                <a:latin typeface="Segoe UI Black" panose="020B0A02040204020203" pitchFamily="34" charset="0"/>
+                <a:cs typeface="Times New Roman" panose="02020603050405020304" pitchFamily="18" charset="0"/>
+              </a:rPr>
+              <a:t> </a:t>
+            </a:r>
+            <a:r>
+              <a:rPr lang="en-US" sz="2000" b="1" dirty="0" err="1">
+                <a:latin typeface="Segoe UI Black" panose="020B0A02040204020203" pitchFamily="34" charset="0"/>
+                <a:cs typeface="Times New Roman" panose="02020603050405020304" pitchFamily="18" charset="0"/>
+              </a:rPr>
+              <a:t>nghĩa</a:t>
+            </a:r>
+            <a:endParaRPr lang="en-US" sz="2000" b="1" dirty="0">
+              <a:latin typeface="Segoe UI Black" panose="020B0A02040204020203" pitchFamily="34" charset="0"/>
               <a:cs typeface="Times New Roman" panose="02020603050405020304" pitchFamily="18" charset="0"/>
             </a:endParaRPr>
           </a:p>
@@ -5348,13 +5380,6 @@
   <p:clrMapOvr>
     <a:masterClrMapping/>
   </p:clrMapOvr>
-  <p:timing>
-    <p:tnLst>
-      <p:par>
-        <p:cTn id="1" dur="indefinite" restart="never" nodeType="tmRoot"/>
-      </p:par>
-    </p:tnLst>
-  </p:timing>
 </p:sld>
 </file>
 
@@ -5384,7 +5409,7 @@
         <p:spPr>
           <a:xfrm>
             <a:off x="1746519" y="429613"/>
-            <a:ext cx="10037378" cy="923330"/>
+            <a:ext cx="10037378" cy="553998"/>
           </a:xfrm>
           <a:prstGeom prst="rect">
             <a:avLst/>
@@ -5397,24 +5422,16 @@
           </a:bodyPr>
           <a:lstStyle/>
           <a:p>
-            <a:pPr algn="ctr"/>
-            <a:r>
-              <a:rPr lang="en-US" sz="5400" b="1">
+            <a:r>
+              <a:rPr lang="en-US" sz="3000" b="1" dirty="0">
                 <a:solidFill>
                   <a:srgbClr val="FF0000"/>
                 </a:solidFill>
-                <a:latin typeface="Times New Roman" panose="02020603050405020304" pitchFamily="18" charset="0"/>
+                <a:latin typeface="Segoe UI Black" panose="020B0A02040204020203" pitchFamily="34" charset="0"/>
                 <a:cs typeface="Times New Roman" panose="02020603050405020304" pitchFamily="18" charset="0"/>
               </a:rPr>
               <a:t>AT Command</a:t>
             </a:r>
-            <a:endParaRPr lang="en-US" sz="5000" b="1">
-              <a:solidFill>
-                <a:srgbClr val="FF0000"/>
-              </a:solidFill>
-              <a:latin typeface="Times New Roman" panose="02020603050405020304" pitchFamily="18" charset="0"/>
-              <a:cs typeface="Times New Roman" panose="02020603050405020304" pitchFamily="18" charset="0"/>
-            </a:endParaRPr>
           </a:p>
         </p:txBody>
       </p:sp>
@@ -5427,7 +5444,7 @@
         <p:spPr>
           <a:xfrm>
             <a:off x="1888859" y="2596584"/>
-            <a:ext cx="10037378" cy="3939540"/>
+            <a:ext cx="10037378" cy="3170099"/>
           </a:xfrm>
           <a:prstGeom prst="rect">
             <a:avLst/>
@@ -5445,168 +5462,63 @@
               <a:buChar char="•"/>
             </a:pPr>
             <a:r>
-              <a:rPr lang="vi-VN" sz="2500" b="1">
-                <a:latin typeface="Times New Roman" panose="02020603050405020304" pitchFamily="18" charset="0"/>
-                <a:cs typeface="Times New Roman" panose="02020603050405020304" pitchFamily="18" charset="0"/>
-              </a:rPr>
-              <a:t>&lt;CR</a:t>
-            </a:r>
-            <a:r>
-              <a:rPr lang="vi-VN" sz="2500" b="1">
-                <a:latin typeface="Times New Roman" panose="02020603050405020304" pitchFamily="18" charset="0"/>
-                <a:cs typeface="Times New Roman" panose="02020603050405020304" pitchFamily="18" charset="0"/>
-              </a:rPr>
-              <a:t>&gt; </a:t>
-            </a:r>
-            <a:r>
-              <a:rPr lang="en-US" sz="2500" b="1">
-                <a:latin typeface="Times New Roman" panose="02020603050405020304" pitchFamily="18" charset="0"/>
-                <a:cs typeface="Times New Roman" panose="02020603050405020304" pitchFamily="18" charset="0"/>
-              </a:rPr>
-              <a:t>Carriage </a:t>
-            </a:r>
-            <a:r>
-              <a:rPr lang="en-US" sz="2500" b="1">
-                <a:latin typeface="Times New Roman" panose="02020603050405020304" pitchFamily="18" charset="0"/>
-                <a:cs typeface="Times New Roman" panose="02020603050405020304" pitchFamily="18" charset="0"/>
-              </a:rPr>
-              <a:t>return </a:t>
-            </a:r>
-            <a:r>
-              <a:rPr lang="en-US" sz="2500" b="1" smtClean="0">
-                <a:latin typeface="Times New Roman" panose="02020603050405020304" pitchFamily="18" charset="0"/>
-                <a:cs typeface="Times New Roman" panose="02020603050405020304" pitchFamily="18" charset="0"/>
-              </a:rPr>
-              <a:t>character</a:t>
-            </a:r>
-            <a:r>
-              <a:rPr lang="vi-VN" sz="2500" smtClean="0">
-                <a:latin typeface="Times New Roman" panose="02020603050405020304" pitchFamily="18" charset="0"/>
-                <a:cs typeface="Times New Roman" panose="02020603050405020304" pitchFamily="18" charset="0"/>
-              </a:rPr>
-              <a:t>, </a:t>
-            </a:r>
-            <a:r>
-              <a:rPr lang="vi-VN" sz="2500">
-                <a:latin typeface="Times New Roman" panose="02020603050405020304" pitchFamily="18" charset="0"/>
-                <a:cs typeface="Times New Roman" panose="02020603050405020304" pitchFamily="18" charset="0"/>
-              </a:rPr>
-              <a:t>là dòng lệnh và ký tự kết thúc mã kết quả, giá trị này</a:t>
-            </a:r>
-            <a:r>
-              <a:rPr lang="vi-VN" sz="2500">
-                <a:latin typeface="Times New Roman" panose="02020603050405020304" pitchFamily="18" charset="0"/>
-                <a:cs typeface="Times New Roman" panose="02020603050405020304" pitchFamily="18" charset="0"/>
-              </a:rPr>
-              <a:t>, </a:t>
-            </a:r>
-            <a:r>
-              <a:rPr lang="vi-VN" sz="2500" smtClean="0">
-                <a:latin typeface="Times New Roman" panose="02020603050405020304" pitchFamily="18" charset="0"/>
-                <a:cs typeface="Times New Roman" panose="02020603050405020304" pitchFamily="18" charset="0"/>
-              </a:rPr>
-              <a:t>trong</a:t>
-            </a:r>
-            <a:r>
-              <a:rPr lang="en-US" sz="2500" smtClean="0">
-                <a:latin typeface="Times New Roman" panose="02020603050405020304" pitchFamily="18" charset="0"/>
-                <a:cs typeface="Times New Roman" panose="02020603050405020304" pitchFamily="18" charset="0"/>
-              </a:rPr>
-              <a:t> </a:t>
-            </a:r>
-            <a:r>
-              <a:rPr lang="en-US" sz="2500">
-                <a:latin typeface="Times New Roman" panose="02020603050405020304" pitchFamily="18" charset="0"/>
-                <a:cs typeface="Times New Roman" panose="02020603050405020304" pitchFamily="18" charset="0"/>
-              </a:rPr>
-              <a:t>decimal</a:t>
-            </a:r>
-            <a:r>
-              <a:rPr lang="vi-VN" sz="2500" smtClean="0">
-                <a:latin typeface="Times New Roman" panose="02020603050405020304" pitchFamily="18" charset="0"/>
-                <a:cs typeface="Times New Roman" panose="02020603050405020304" pitchFamily="18" charset="0"/>
-              </a:rPr>
-              <a:t> </a:t>
-            </a:r>
-            <a:r>
-              <a:rPr lang="vi-VN" sz="2500">
-                <a:latin typeface="Times New Roman" panose="02020603050405020304" pitchFamily="18" charset="0"/>
-                <a:cs typeface="Times New Roman" panose="02020603050405020304" pitchFamily="18" charset="0"/>
-              </a:rPr>
-              <a:t>ASCII </a:t>
-            </a:r>
-            <a:r>
-              <a:rPr lang="vi-VN" sz="2500" smtClean="0">
-                <a:latin typeface="Times New Roman" panose="02020603050405020304" pitchFamily="18" charset="0"/>
-                <a:cs typeface="Times New Roman" panose="02020603050405020304" pitchFamily="18" charset="0"/>
-              </a:rPr>
-              <a:t>từ </a:t>
-            </a:r>
-            <a:r>
-              <a:rPr lang="vi-VN" sz="2500">
-                <a:latin typeface="Times New Roman" panose="02020603050405020304" pitchFamily="18" charset="0"/>
-                <a:cs typeface="Times New Roman" panose="02020603050405020304" pitchFamily="18" charset="0"/>
-              </a:rPr>
-              <a:t>0 đến 255</a:t>
-            </a:r>
-            <a:r>
-              <a:rPr lang="vi-VN" sz="2500">
-                <a:latin typeface="Times New Roman" panose="02020603050405020304" pitchFamily="18" charset="0"/>
-                <a:cs typeface="Times New Roman" panose="02020603050405020304" pitchFamily="18" charset="0"/>
-              </a:rPr>
-              <a:t>, </a:t>
-            </a:r>
-            <a:r>
-              <a:rPr lang="vi-VN" sz="2500" smtClean="0">
-                <a:latin typeface="Times New Roman" panose="02020603050405020304" pitchFamily="18" charset="0"/>
-                <a:cs typeface="Times New Roman" panose="02020603050405020304" pitchFamily="18" charset="0"/>
-              </a:rPr>
-              <a:t>được </a:t>
-            </a:r>
-            <a:r>
-              <a:rPr lang="vi-VN" sz="2500">
-                <a:latin typeface="Times New Roman" panose="02020603050405020304" pitchFamily="18" charset="0"/>
-                <a:cs typeface="Times New Roman" panose="02020603050405020304" pitchFamily="18" charset="0"/>
-              </a:rPr>
-              <a:t>chỉ định trong thanh ghi </a:t>
-            </a:r>
-            <a:r>
-              <a:rPr lang="vi-VN" sz="2500" b="1">
-                <a:latin typeface="Times New Roman" panose="02020603050405020304" pitchFamily="18" charset="0"/>
+              <a:rPr lang="vi-VN" sz="2000" b="1" dirty="0">
+                <a:latin typeface="Segoe UI Black" panose="020B0A02040204020203" pitchFamily="34" charset="0"/>
+                <a:cs typeface="Times New Roman" panose="02020603050405020304" pitchFamily="18" charset="0"/>
+              </a:rPr>
+              <a:t>&lt;CR&gt; </a:t>
+            </a:r>
+            <a:r>
+              <a:rPr lang="en-US" sz="2000" b="1" dirty="0">
+                <a:latin typeface="Segoe UI Black" panose="020B0A02040204020203" pitchFamily="34" charset="0"/>
+                <a:cs typeface="Times New Roman" panose="02020603050405020304" pitchFamily="18" charset="0"/>
+              </a:rPr>
+              <a:t>Carriage return character</a:t>
+            </a:r>
+            <a:r>
+              <a:rPr lang="vi-VN" sz="2000" dirty="0">
+                <a:latin typeface="Segoe UI Black" panose="020B0A02040204020203" pitchFamily="34" charset="0"/>
+                <a:cs typeface="Times New Roman" panose="02020603050405020304" pitchFamily="18" charset="0"/>
+              </a:rPr>
+              <a:t>, là dòng lệnh và ký tự kết thúc mã kết quả, giá trị này, trong</a:t>
+            </a:r>
+            <a:r>
+              <a:rPr lang="en-US" sz="2000" dirty="0">
+                <a:latin typeface="Segoe UI Black" panose="020B0A02040204020203" pitchFamily="34" charset="0"/>
+                <a:cs typeface="Times New Roman" panose="02020603050405020304" pitchFamily="18" charset="0"/>
+              </a:rPr>
+              <a:t> decimal</a:t>
+            </a:r>
+            <a:r>
+              <a:rPr lang="vi-VN" sz="2000" dirty="0">
+                <a:latin typeface="Segoe UI Black" panose="020B0A02040204020203" pitchFamily="34" charset="0"/>
+                <a:cs typeface="Times New Roman" panose="02020603050405020304" pitchFamily="18" charset="0"/>
+              </a:rPr>
+              <a:t> ASCII từ 0 đến 255, được chỉ định trong thanh ghi </a:t>
+            </a:r>
+            <a:r>
+              <a:rPr lang="vi-VN" sz="2000" b="1" dirty="0">
+                <a:latin typeface="Segoe UI Black" panose="020B0A02040204020203" pitchFamily="34" charset="0"/>
                 <a:cs typeface="Times New Roman" panose="02020603050405020304" pitchFamily="18" charset="0"/>
               </a:rPr>
               <a:t>S3</a:t>
             </a:r>
             <a:r>
-              <a:rPr lang="vi-VN" sz="2500">
-                <a:latin typeface="Times New Roman" panose="02020603050405020304" pitchFamily="18" charset="0"/>
-                <a:cs typeface="Times New Roman" panose="02020603050405020304" pitchFamily="18" charset="0"/>
-              </a:rPr>
-              <a:t>. Giá trị mặc định là </a:t>
-            </a:r>
-            <a:r>
-              <a:rPr lang="vi-VN" sz="2500">
-                <a:latin typeface="Times New Roman" panose="02020603050405020304" pitchFamily="18" charset="0"/>
-                <a:cs typeface="Times New Roman" panose="02020603050405020304" pitchFamily="18" charset="0"/>
-              </a:rPr>
-              <a:t>13</a:t>
-            </a:r>
-            <a:r>
-              <a:rPr lang="vi-VN" sz="2500" smtClean="0">
-                <a:latin typeface="Times New Roman" panose="02020603050405020304" pitchFamily="18" charset="0"/>
-                <a:cs typeface="Times New Roman" panose="02020603050405020304" pitchFamily="18" charset="0"/>
-              </a:rPr>
-              <a:t>.</a:t>
-            </a:r>
-            <a:r>
-              <a:rPr lang="en-US" sz="2500" b="1">
-                <a:latin typeface="Times New Roman" panose="02020603050405020304" pitchFamily="18" charset="0"/>
+              <a:rPr lang="vi-VN" sz="2000" dirty="0">
+                <a:latin typeface="Segoe UI Black" panose="020B0A02040204020203" pitchFamily="34" charset="0"/>
+                <a:cs typeface="Times New Roman" panose="02020603050405020304" pitchFamily="18" charset="0"/>
+              </a:rPr>
+              <a:t>. Giá trị mặc định là 13.</a:t>
+            </a:r>
+            <a:r>
+              <a:rPr lang="en-US" sz="2000" b="1" dirty="0">
+                <a:latin typeface="Segoe UI Black" panose="020B0A02040204020203" pitchFamily="34" charset="0"/>
                 <a:cs typeface="Times New Roman" panose="02020603050405020304" pitchFamily="18" charset="0"/>
               </a:rPr>
               <a:t> (0x0D, \r)</a:t>
             </a:r>
-            <a:endParaRPr lang="vi-VN" sz="2500">
-              <a:latin typeface="Times New Roman" panose="02020603050405020304" pitchFamily="18" charset="0"/>
+            <a:endParaRPr lang="vi-VN" sz="2000" dirty="0">
+              <a:latin typeface="Segoe UI Black" panose="020B0A02040204020203" pitchFamily="34" charset="0"/>
               <a:cs typeface="Times New Roman" panose="02020603050405020304" pitchFamily="18" charset="0"/>
             </a:endParaRPr>
           </a:p>
@@ -5616,149 +5528,61 @@
               <a:buChar char="•"/>
             </a:pPr>
             <a:r>
-              <a:rPr lang="vi-VN" sz="2500" b="1" smtClean="0">
-                <a:latin typeface="Times New Roman" panose="02020603050405020304" pitchFamily="18" charset="0"/>
+              <a:rPr lang="vi-VN" sz="2000" b="1" dirty="0">
+                <a:latin typeface="Segoe UI Black" panose="020B0A02040204020203" pitchFamily="34" charset="0"/>
                 <a:cs typeface="Times New Roman" panose="02020603050405020304" pitchFamily="18" charset="0"/>
               </a:rPr>
               <a:t>&lt;LF&gt; </a:t>
             </a:r>
             <a:r>
-              <a:rPr lang="en-US" sz="2500" b="1">
-                <a:latin typeface="Times New Roman" panose="02020603050405020304" pitchFamily="18" charset="0"/>
-                <a:cs typeface="Times New Roman" panose="02020603050405020304" pitchFamily="18" charset="0"/>
-              </a:rPr>
-              <a:t>Linefeed </a:t>
-            </a:r>
-            <a:r>
-              <a:rPr lang="en-US" sz="2500" b="1" smtClean="0">
-                <a:latin typeface="Times New Roman" panose="02020603050405020304" pitchFamily="18" charset="0"/>
-                <a:cs typeface="Times New Roman" panose="02020603050405020304" pitchFamily="18" charset="0"/>
-              </a:rPr>
-              <a:t>character</a:t>
-            </a:r>
-            <a:r>
-              <a:rPr lang="vi-VN" sz="2500" smtClean="0">
-                <a:latin typeface="Times New Roman" panose="02020603050405020304" pitchFamily="18" charset="0"/>
-                <a:cs typeface="Times New Roman" panose="02020603050405020304" pitchFamily="18" charset="0"/>
-              </a:rPr>
-              <a:t>, </a:t>
-            </a:r>
-            <a:r>
-              <a:rPr lang="vi-VN" sz="2500">
-                <a:latin typeface="Times New Roman" panose="02020603050405020304" pitchFamily="18" charset="0"/>
-                <a:cs typeface="Times New Roman" panose="02020603050405020304" pitchFamily="18" charset="0"/>
-              </a:rPr>
-              <a:t>là ký tự được nhận dạng là ký tự nguồn cấp dữ liệu dòng. Giá trị </a:t>
-            </a:r>
-            <a:r>
-              <a:rPr lang="vi-VN" sz="2500">
-                <a:latin typeface="Times New Roman" panose="02020603050405020304" pitchFamily="18" charset="0"/>
-                <a:cs typeface="Times New Roman" panose="02020603050405020304" pitchFamily="18" charset="0"/>
-              </a:rPr>
-              <a:t>của </a:t>
-            </a:r>
-            <a:r>
-              <a:rPr lang="vi-VN" sz="2500" smtClean="0">
-                <a:latin typeface="Times New Roman" panose="02020603050405020304" pitchFamily="18" charset="0"/>
-                <a:cs typeface="Times New Roman" panose="02020603050405020304" pitchFamily="18" charset="0"/>
-              </a:rPr>
-              <a:t>nó </a:t>
-            </a:r>
-            <a:r>
-              <a:rPr lang="vi-VN" sz="2500">
-                <a:latin typeface="Times New Roman" panose="02020603050405020304" pitchFamily="18" charset="0"/>
-                <a:cs typeface="Times New Roman" panose="02020603050405020304" pitchFamily="18" charset="0"/>
-              </a:rPr>
-              <a:t>dưới </a:t>
-            </a:r>
-            <a:r>
-              <a:rPr lang="vi-VN" sz="2500">
-                <a:latin typeface="Times New Roman" panose="02020603050405020304" pitchFamily="18" charset="0"/>
-                <a:cs typeface="Times New Roman" panose="02020603050405020304" pitchFamily="18" charset="0"/>
-              </a:rPr>
-              <a:t>dạng </a:t>
-            </a:r>
-            <a:r>
-              <a:rPr lang="en-US" sz="2500">
-                <a:latin typeface="Times New Roman" panose="02020603050405020304" pitchFamily="18" charset="0"/>
+              <a:rPr lang="en-US" sz="2000" b="1" dirty="0">
+                <a:latin typeface="Segoe UI Black" panose="020B0A02040204020203" pitchFamily="34" charset="0"/>
+                <a:cs typeface="Times New Roman" panose="02020603050405020304" pitchFamily="18" charset="0"/>
+              </a:rPr>
+              <a:t>Linefeed character</a:t>
+            </a:r>
+            <a:r>
+              <a:rPr lang="vi-VN" sz="2000" dirty="0">
+                <a:latin typeface="Segoe UI Black" panose="020B0A02040204020203" pitchFamily="34" charset="0"/>
+                <a:cs typeface="Times New Roman" panose="02020603050405020304" pitchFamily="18" charset="0"/>
+              </a:rPr>
+              <a:t>, là ký tự được nhận dạng là ký tự nguồn cấp dữ liệu dòng. Giá trị của nó dưới dạng </a:t>
+            </a:r>
+            <a:r>
+              <a:rPr lang="en-US" sz="2000" dirty="0">
+                <a:latin typeface="Segoe UI Black" panose="020B0A02040204020203" pitchFamily="34" charset="0"/>
                 <a:cs typeface="Times New Roman" panose="02020603050405020304" pitchFamily="18" charset="0"/>
               </a:rPr>
               <a:t>decimal </a:t>
             </a:r>
             <a:r>
-              <a:rPr lang="vi-VN" sz="2500" smtClean="0">
-                <a:latin typeface="Times New Roman" panose="02020603050405020304" pitchFamily="18" charset="0"/>
-                <a:cs typeface="Times New Roman" panose="02020603050405020304" pitchFamily="18" charset="0"/>
-              </a:rPr>
-              <a:t>ASCII từ </a:t>
-            </a:r>
-            <a:r>
-              <a:rPr lang="vi-VN" sz="2500">
-                <a:latin typeface="Times New Roman" panose="02020603050405020304" pitchFamily="18" charset="0"/>
-                <a:cs typeface="Times New Roman" panose="02020603050405020304" pitchFamily="18" charset="0"/>
-              </a:rPr>
-              <a:t>0 đến 255, được chỉ định trong thanh ghi S4. Giá trị mặc định là 10. Ký tự nguồn cấp dòng được xuất sau ký tự </a:t>
-            </a:r>
-            <a:r>
-              <a:rPr lang="vi-VN" sz="2500">
-                <a:latin typeface="Times New Roman" panose="02020603050405020304" pitchFamily="18" charset="0"/>
-                <a:cs typeface="Times New Roman" panose="02020603050405020304" pitchFamily="18" charset="0"/>
-              </a:rPr>
-              <a:t>xuống </a:t>
-            </a:r>
-            <a:r>
-              <a:rPr lang="vi-VN" sz="2500" smtClean="0">
-                <a:latin typeface="Times New Roman" panose="02020603050405020304" pitchFamily="18" charset="0"/>
-                <a:cs typeface="Times New Roman" panose="02020603050405020304" pitchFamily="18" charset="0"/>
-              </a:rPr>
-              <a:t>dòng</a:t>
-            </a:r>
-            <a:r>
-              <a:rPr lang="en-US" sz="2500" smtClean="0">
-                <a:latin typeface="Times New Roman" panose="02020603050405020304" pitchFamily="18" charset="0"/>
+              <a:rPr lang="vi-VN" sz="2000" dirty="0">
+                <a:latin typeface="Segoe UI Black" panose="020B0A02040204020203" pitchFamily="34" charset="0"/>
+                <a:cs typeface="Times New Roman" panose="02020603050405020304" pitchFamily="18" charset="0"/>
+              </a:rPr>
+              <a:t>ASCII từ 0 đến 255, được chỉ định trong thanh ghi S4. Giá trị mặc định là 10. Ký tự nguồn cấp dòng được xuất sau ký tự xuống dòng</a:t>
+            </a:r>
+            <a:r>
+              <a:rPr lang="en-US" sz="2000" dirty="0">
+                <a:latin typeface="Segoe UI Black" panose="020B0A02040204020203" pitchFamily="34" charset="0"/>
                 <a:cs typeface="Times New Roman" panose="02020603050405020304" pitchFamily="18" charset="0"/>
               </a:rPr>
               <a:t> </a:t>
             </a:r>
             <a:r>
-              <a:rPr lang="en-US" sz="2500" b="1">
-                <a:latin typeface="Times New Roman" panose="02020603050405020304" pitchFamily="18" charset="0"/>
+              <a:rPr lang="en-US" sz="2000" b="1" dirty="0">
+                <a:latin typeface="Segoe UI Black" panose="020B0A02040204020203" pitchFamily="34" charset="0"/>
                 <a:cs typeface="Times New Roman" panose="02020603050405020304" pitchFamily="18" charset="0"/>
               </a:rPr>
               <a:t>(0x0A, \n)</a:t>
             </a:r>
             <a:r>
-              <a:rPr lang="vi-VN" sz="2500" smtClean="0">
-                <a:latin typeface="Times New Roman" panose="02020603050405020304" pitchFamily="18" charset="0"/>
-                <a:cs typeface="Times New Roman" panose="02020603050405020304" pitchFamily="18" charset="0"/>
-              </a:rPr>
-              <a:t> </a:t>
-            </a:r>
-            <a:r>
-              <a:rPr lang="vi-VN" sz="2500">
-                <a:latin typeface="Times New Roman" panose="02020603050405020304" pitchFamily="18" charset="0"/>
-                <a:cs typeface="Times New Roman" panose="02020603050405020304" pitchFamily="18" charset="0"/>
-              </a:rPr>
-              <a:t>nếu mã kết quả dài dòng được sử dụng (tùy chọn V1 được sử dụng); ngược lại, nếu mã kết quả định dạng số được sử dụng (tùy chọn V0 được sử dụng), nó sẽ không xuất hiện trong mã kết </a:t>
-            </a:r>
-            <a:r>
-              <a:rPr lang="vi-VN" sz="2500">
-                <a:latin typeface="Times New Roman" panose="02020603050405020304" pitchFamily="18" charset="0"/>
-                <a:cs typeface="Times New Roman" panose="02020603050405020304" pitchFamily="18" charset="0"/>
-              </a:rPr>
-              <a:t>quả</a:t>
-            </a:r>
-            <a:r>
-              <a:rPr lang="vi-VN" sz="2500" smtClean="0">
-                <a:latin typeface="Times New Roman" panose="02020603050405020304" pitchFamily="18" charset="0"/>
-                <a:cs typeface="Times New Roman" panose="02020603050405020304" pitchFamily="18" charset="0"/>
-              </a:rPr>
-              <a:t>.</a:t>
-            </a:r>
-            <a:endParaRPr lang="vi-VN" sz="2500">
-              <a:latin typeface="Times New Roman" panose="02020603050405020304" pitchFamily="18" charset="0"/>
-              <a:cs typeface="Times New Roman" panose="02020603050405020304" pitchFamily="18" charset="0"/>
-            </a:endParaRPr>
+              <a:rPr lang="vi-VN" sz="2000" dirty="0">
+                <a:latin typeface="Segoe UI Black" panose="020B0A02040204020203" pitchFamily="34" charset="0"/>
+                <a:cs typeface="Times New Roman" panose="02020603050405020304" pitchFamily="18" charset="0"/>
+              </a:rPr>
+              <a:t> nếu mã kết quả dài dòng được sử dụng (tùy chọn V1 được sử dụng); ngược lại, nếu mã kết quả định dạng số được sử dụng (tùy chọn V0 được sử dụng), nó sẽ không xuất hiện trong mã kết quả.</a:t>
+            </a:r>
           </a:p>
         </p:txBody>
       </p:sp>
@@ -5770,8 +5594,8 @@
         </p:nvSpPr>
         <p:spPr>
           <a:xfrm>
-            <a:off x="1975945" y="1828615"/>
-            <a:ext cx="1446524" cy="477054"/>
+            <a:off x="2019076" y="1828615"/>
+            <a:ext cx="3303421" cy="477054"/>
           </a:xfrm>
           <a:prstGeom prst="rect">
             <a:avLst/>
@@ -5792,14 +5616,28 @@
           <a:lstStyle/>
           <a:p>
             <a:r>
-              <a:rPr lang="en-US" sz="2500" b="1" smtClean="0">
-                <a:latin typeface="Times New Roman" panose="02020603050405020304" pitchFamily="18" charset="0"/>
-                <a:cs typeface="Times New Roman" panose="02020603050405020304" pitchFamily="18" charset="0"/>
-              </a:rPr>
-              <a:t>Cú pháp</a:t>
-            </a:r>
-            <a:endParaRPr lang="en-US" sz="2500" b="1">
-              <a:latin typeface="Times New Roman" panose="02020603050405020304" pitchFamily="18" charset="0"/>
+              <a:rPr lang="en-US" sz="2500" b="1" dirty="0" err="1">
+                <a:latin typeface="Segoe UI Black" panose="020B0A02040204020203" pitchFamily="34" charset="0"/>
+                <a:cs typeface="Times New Roman" panose="02020603050405020304" pitchFamily="18" charset="0"/>
+              </a:rPr>
+              <a:t>Cú</a:t>
+            </a:r>
+            <a:r>
+              <a:rPr lang="en-US" sz="2500" b="1" dirty="0">
+                <a:latin typeface="Segoe UI Black" panose="020B0A02040204020203" pitchFamily="34" charset="0"/>
+                <a:cs typeface="Times New Roman" panose="02020603050405020304" pitchFamily="18" charset="0"/>
+              </a:rPr>
+              <a:t> </a:t>
+            </a:r>
+            <a:r>
+              <a:rPr lang="en-US" sz="2500" b="1" dirty="0" err="1">
+                <a:latin typeface="Segoe UI Black" panose="020B0A02040204020203" pitchFamily="34" charset="0"/>
+                <a:cs typeface="Times New Roman" panose="02020603050405020304" pitchFamily="18" charset="0"/>
+              </a:rPr>
+              <a:t>pháp</a:t>
+            </a:r>
+            <a:endParaRPr lang="en-US" sz="2500" b="1" dirty="0">
+              <a:latin typeface="Segoe UI Black" panose="020B0A02040204020203" pitchFamily="34" charset="0"/>
               <a:cs typeface="Times New Roman" panose="02020603050405020304" pitchFamily="18" charset="0"/>
             </a:endParaRPr>
           </a:p>
@@ -5815,13 +5653,6 @@
   <p:clrMapOvr>
     <a:masterClrMapping/>
   </p:clrMapOvr>
-  <p:timing>
-    <p:tnLst>
-      <p:par>
-        <p:cTn id="1" dur="indefinite" restart="never" nodeType="tmRoot"/>
-      </p:par>
-    </p:tnLst>
-  </p:timing>
 </p:sld>
 </file>
 
@@ -5851,7 +5682,7 @@
         <p:spPr>
           <a:xfrm>
             <a:off x="1755228" y="490573"/>
-            <a:ext cx="10037378" cy="923330"/>
+            <a:ext cx="10037378" cy="553998"/>
           </a:xfrm>
           <a:prstGeom prst="rect">
             <a:avLst/>
@@ -5866,22 +5697,15 @@
           <a:p>
             <a:pPr algn="ctr"/>
             <a:r>
-              <a:rPr lang="en-US" sz="5400" b="1">
+              <a:rPr lang="en-US" sz="3000" b="1" dirty="0">
                 <a:solidFill>
                   <a:srgbClr val="FF0000"/>
                 </a:solidFill>
-                <a:latin typeface="Times New Roman" panose="02020603050405020304" pitchFamily="18" charset="0"/>
+                <a:latin typeface="Segoe UI Black" panose="020B0A02040204020203" pitchFamily="34" charset="0"/>
                 <a:cs typeface="Times New Roman" panose="02020603050405020304" pitchFamily="18" charset="0"/>
               </a:rPr>
               <a:t>AT Command</a:t>
             </a:r>
-            <a:endParaRPr lang="en-US" sz="5000" b="1">
-              <a:solidFill>
-                <a:srgbClr val="FF0000"/>
-              </a:solidFill>
-              <a:latin typeface="Times New Roman" panose="02020603050405020304" pitchFamily="18" charset="0"/>
-              <a:cs typeface="Times New Roman" panose="02020603050405020304" pitchFamily="18" charset="0"/>
-            </a:endParaRPr>
           </a:p>
         </p:txBody>
       </p:sp>
@@ -5894,7 +5718,7 @@
         <p:spPr>
           <a:xfrm>
             <a:off x="1975945" y="2457246"/>
-            <a:ext cx="10037378" cy="3939540"/>
+            <a:ext cx="10037378" cy="3170099"/>
           </a:xfrm>
           <a:prstGeom prst="rect">
             <a:avLst/>
@@ -5912,15 +5736,15 @@
               <a:buChar char="•"/>
             </a:pPr>
             <a:r>
-              <a:rPr lang="vi-VN" sz="2500" b="1">
-                <a:latin typeface="Times New Roman" panose="02020603050405020304" pitchFamily="18" charset="0"/>
+              <a:rPr lang="vi-VN" sz="2000" b="1" dirty="0">
+                <a:latin typeface="Segoe UI Black" panose="020B0A02040204020203" pitchFamily="34" charset="0"/>
                 <a:cs typeface="Times New Roman" panose="02020603050405020304" pitchFamily="18" charset="0"/>
               </a:rPr>
               <a:t>&lt;...&gt;</a:t>
             </a:r>
             <a:r>
-              <a:rPr lang="vi-VN" sz="2500">
-                <a:latin typeface="Times New Roman" panose="02020603050405020304" pitchFamily="18" charset="0"/>
+              <a:rPr lang="vi-VN" sz="2000" dirty="0">
+                <a:latin typeface="Segoe UI Black" panose="020B0A02040204020203" pitchFamily="34" charset="0"/>
                 <a:cs typeface="Times New Roman" panose="02020603050405020304" pitchFamily="18" charset="0"/>
               </a:rPr>
               <a:t> Tên được đặt trong dấu ngoặc nhọn là một yếu tố cú pháp. Chúng không xuất hiện trong dòng lệnh.</a:t>
@@ -5932,86 +5756,54 @@
               <a:buChar char="•"/>
             </a:pPr>
             <a:r>
-              <a:rPr lang="vi-VN" sz="2500" b="1">
-                <a:latin typeface="Times New Roman" panose="02020603050405020304" pitchFamily="18" charset="0"/>
+              <a:rPr lang="vi-VN" sz="2000" b="1" dirty="0">
+                <a:latin typeface="Segoe UI Black" panose="020B0A02040204020203" pitchFamily="34" charset="0"/>
                 <a:cs typeface="Times New Roman" panose="02020603050405020304" pitchFamily="18" charset="0"/>
               </a:rPr>
               <a:t>[...]</a:t>
             </a:r>
             <a:r>
-              <a:rPr lang="vi-VN" sz="2500">
-                <a:latin typeface="Times New Roman" panose="02020603050405020304" pitchFamily="18" charset="0"/>
-                <a:cs typeface="Times New Roman" panose="02020603050405020304" pitchFamily="18" charset="0"/>
-              </a:rPr>
-              <a:t> Tham số con tùy chọn của một lệnh hoặc một phần tùy chọn của phản hồi thông tin AT được đặt trong dấu ngoặc vuông. Các dấu ngoặc tự nó không xuất hiện trong dòng lệnh. Khi tham số con không được cung cấp trong các lệnh AT </a:t>
-            </a:r>
-            <a:r>
-              <a:rPr lang="vi-VN" sz="2500">
-                <a:latin typeface="Times New Roman" panose="02020603050405020304" pitchFamily="18" charset="0"/>
-                <a:cs typeface="Times New Roman" panose="02020603050405020304" pitchFamily="18" charset="0"/>
-              </a:rPr>
-              <a:t>có </a:t>
-            </a:r>
-            <a:r>
-              <a:rPr lang="en-US" sz="2500">
-                <a:latin typeface="Times New Roman" panose="02020603050405020304" pitchFamily="18" charset="0"/>
+              <a:rPr lang="vi-VN" sz="2000" dirty="0">
+                <a:latin typeface="Segoe UI Black" panose="020B0A02040204020203" pitchFamily="34" charset="0"/>
+                <a:cs typeface="Times New Roman" panose="02020603050405020304" pitchFamily="18" charset="0"/>
+              </a:rPr>
+              <a:t> Tham số con tùy chọn của một lệnh hoặc một phần tùy chọn của phản hồi thông tin AT được đặt trong dấu ngoặc vuông. Các dấu ngoặc tự nó không xuất hiện trong dòng lệnh. Khi tham số con không được cung cấp trong các lệnh AT có </a:t>
+            </a:r>
+            <a:r>
+              <a:rPr lang="en-US" sz="2000" dirty="0">
+                <a:latin typeface="Segoe UI Black" panose="020B0A02040204020203" pitchFamily="34" charset="0"/>
                 <a:cs typeface="Times New Roman" panose="02020603050405020304" pitchFamily="18" charset="0"/>
               </a:rPr>
               <a:t>Read command</a:t>
             </a:r>
             <a:r>
-              <a:rPr lang="vi-VN" sz="2500" smtClean="0">
-                <a:latin typeface="Times New Roman" panose="02020603050405020304" pitchFamily="18" charset="0"/>
-                <a:cs typeface="Times New Roman" panose="02020603050405020304" pitchFamily="18" charset="0"/>
-              </a:rPr>
-              <a:t>, </a:t>
-            </a:r>
-            <a:r>
-              <a:rPr lang="vi-VN" sz="2500">
-                <a:latin typeface="Times New Roman" panose="02020603050405020304" pitchFamily="18" charset="0"/>
-                <a:cs typeface="Times New Roman" panose="02020603050405020304" pitchFamily="18" charset="0"/>
-              </a:rPr>
-              <a:t>giá trị mới bằng giá trị trước đó của nó. Trong các lệnh AT không lưu trữ giá trị của bất kỳ tham số con nào của chúng và do đó không </a:t>
-            </a:r>
-            <a:r>
-              <a:rPr lang="vi-VN" sz="2500">
-                <a:latin typeface="Times New Roman" panose="02020603050405020304" pitchFamily="18" charset="0"/>
-                <a:cs typeface="Times New Roman" panose="02020603050405020304" pitchFamily="18" charset="0"/>
-              </a:rPr>
-              <a:t>có </a:t>
-            </a:r>
-            <a:r>
-              <a:rPr lang="en-US" sz="2500">
-                <a:latin typeface="Times New Roman" panose="02020603050405020304" pitchFamily="18" charset="0"/>
-                <a:cs typeface="Times New Roman" panose="02020603050405020304" pitchFamily="18" charset="0"/>
-              </a:rPr>
-              <a:t>Read </a:t>
-            </a:r>
-            <a:r>
-              <a:rPr lang="en-US" sz="2500" smtClean="0">
-                <a:latin typeface="Times New Roman" panose="02020603050405020304" pitchFamily="18" charset="0"/>
-                <a:cs typeface="Times New Roman" panose="02020603050405020304" pitchFamily="18" charset="0"/>
-              </a:rPr>
-              <a:t>command. Nó</a:t>
-            </a:r>
-            <a:r>
-              <a:rPr lang="vi-VN" sz="2500" smtClean="0">
-                <a:latin typeface="Times New Roman" panose="02020603050405020304" pitchFamily="18" charset="0"/>
-                <a:cs typeface="Times New Roman" panose="02020603050405020304" pitchFamily="18" charset="0"/>
-              </a:rPr>
-              <a:t> </a:t>
-            </a:r>
-            <a:r>
-              <a:rPr lang="vi-VN" sz="2500">
-                <a:latin typeface="Times New Roman" panose="02020603050405020304" pitchFamily="18" charset="0"/>
-                <a:cs typeface="Times New Roman" panose="02020603050405020304" pitchFamily="18" charset="0"/>
-              </a:rPr>
-              <a:t>được gọi là lệnh kiểu hành động, hành động phải được thực hiện trên cơ sở cài đặt mặc định được khuyến nghị của tham số con.</a:t>
-            </a:r>
-            <a:endParaRPr lang="vi-VN" sz="2500">
-              <a:latin typeface="Times New Roman" panose="02020603050405020304" pitchFamily="18" charset="0"/>
-              <a:cs typeface="Times New Roman" panose="02020603050405020304" pitchFamily="18" charset="0"/>
-            </a:endParaRPr>
+              <a:rPr lang="vi-VN" sz="2000" dirty="0">
+                <a:latin typeface="Segoe UI Black" panose="020B0A02040204020203" pitchFamily="34" charset="0"/>
+                <a:cs typeface="Times New Roman" panose="02020603050405020304" pitchFamily="18" charset="0"/>
+              </a:rPr>
+              <a:t>, giá trị mới bằng giá trị trước đó của nó. Trong các lệnh AT không lưu trữ giá trị của bất kỳ tham số con nào của chúng và do đó không có </a:t>
+            </a:r>
+            <a:r>
+              <a:rPr lang="en-US" sz="2000" dirty="0">
+                <a:latin typeface="Segoe UI Black" panose="020B0A02040204020203" pitchFamily="34" charset="0"/>
+                <a:cs typeface="Times New Roman" panose="02020603050405020304" pitchFamily="18" charset="0"/>
+              </a:rPr>
+              <a:t>Read command. </a:t>
+            </a:r>
+            <a:r>
+              <a:rPr lang="en-US" sz="2000" dirty="0" err="1">
+                <a:latin typeface="Segoe UI Black" panose="020B0A02040204020203" pitchFamily="34" charset="0"/>
+                <a:cs typeface="Times New Roman" panose="02020603050405020304" pitchFamily="18" charset="0"/>
+              </a:rPr>
+              <a:t>Nó</a:t>
+            </a:r>
+            <a:r>
+              <a:rPr lang="vi-VN" sz="2000" dirty="0">
+                <a:latin typeface="Segoe UI Black" panose="020B0A02040204020203" pitchFamily="34" charset="0"/>
+                <a:cs typeface="Times New Roman" panose="02020603050405020304" pitchFamily="18" charset="0"/>
+              </a:rPr>
+              <a:t> được gọi là lệnh kiểu hành động, hành động phải được thực hiện trên cơ sở cài đặt mặc định được khuyến nghị của tham số con.</a:t>
+            </a:r>
           </a:p>
         </p:txBody>
       </p:sp>
@@ -6023,8 +5815,8 @@
         </p:nvSpPr>
         <p:spPr>
           <a:xfrm>
-            <a:off x="1975945" y="1828615"/>
-            <a:ext cx="1446524" cy="477054"/>
+            <a:off x="1975944" y="1828615"/>
+            <a:ext cx="3424191" cy="477054"/>
           </a:xfrm>
           <a:prstGeom prst="rect">
             <a:avLst/>
@@ -6045,14 +5837,28 @@
           <a:lstStyle/>
           <a:p>
             <a:r>
-              <a:rPr lang="en-US" sz="2500" b="1" smtClean="0">
-                <a:latin typeface="Times New Roman" panose="02020603050405020304" pitchFamily="18" charset="0"/>
-                <a:cs typeface="Times New Roman" panose="02020603050405020304" pitchFamily="18" charset="0"/>
-              </a:rPr>
-              <a:t>Cú pháp</a:t>
-            </a:r>
-            <a:endParaRPr lang="en-US" sz="2500" b="1">
-              <a:latin typeface="Times New Roman" panose="02020603050405020304" pitchFamily="18" charset="0"/>
+              <a:rPr lang="en-US" sz="2500" b="1" dirty="0" err="1">
+                <a:latin typeface="Segoe UI Black" panose="020B0A02040204020203" pitchFamily="34" charset="0"/>
+                <a:cs typeface="Times New Roman" panose="02020603050405020304" pitchFamily="18" charset="0"/>
+              </a:rPr>
+              <a:t>Cú</a:t>
+            </a:r>
+            <a:r>
+              <a:rPr lang="en-US" sz="2500" b="1" dirty="0">
+                <a:latin typeface="Segoe UI Black" panose="020B0A02040204020203" pitchFamily="34" charset="0"/>
+                <a:cs typeface="Times New Roman" panose="02020603050405020304" pitchFamily="18" charset="0"/>
+              </a:rPr>
+              <a:t> </a:t>
+            </a:r>
+            <a:r>
+              <a:rPr lang="en-US" sz="2500" b="1" dirty="0" err="1">
+                <a:latin typeface="Segoe UI Black" panose="020B0A02040204020203" pitchFamily="34" charset="0"/>
+                <a:cs typeface="Times New Roman" panose="02020603050405020304" pitchFamily="18" charset="0"/>
+              </a:rPr>
+              <a:t>pháp</a:t>
+            </a:r>
+            <a:endParaRPr lang="en-US" sz="2500" b="1" dirty="0">
+              <a:latin typeface="Segoe UI Black" panose="020B0A02040204020203" pitchFamily="34" charset="0"/>
               <a:cs typeface="Times New Roman" panose="02020603050405020304" pitchFamily="18" charset="0"/>
             </a:endParaRPr>
           </a:p>
@@ -6068,13 +5874,6 @@
   <p:clrMapOvr>
     <a:masterClrMapping/>
   </p:clrMapOvr>
-  <p:timing>
-    <p:tnLst>
-      <p:par>
-        <p:cTn id="1" dur="indefinite" restart="never" nodeType="tmRoot"/>
-      </p:par>
-    </p:tnLst>
-  </p:timing>
 </p:sld>
 </file>
 
@@ -6104,7 +5903,7 @@
         <p:spPr>
           <a:xfrm>
             <a:off x="1755228" y="490573"/>
-            <a:ext cx="10037378" cy="923330"/>
+            <a:ext cx="10037378" cy="553998"/>
           </a:xfrm>
           <a:prstGeom prst="rect">
             <a:avLst/>
@@ -6117,24 +5916,16 @@
           </a:bodyPr>
           <a:lstStyle/>
           <a:p>
-            <a:pPr algn="ctr"/>
-            <a:r>
-              <a:rPr lang="en-US" sz="5400" b="1">
+            <a:r>
+              <a:rPr lang="en-US" sz="3000" b="1" dirty="0">
                 <a:solidFill>
                   <a:srgbClr val="FF0000"/>
                 </a:solidFill>
-                <a:latin typeface="Times New Roman" panose="02020603050405020304" pitchFamily="18" charset="0"/>
+                <a:latin typeface="Segoe UI Black" panose="020B0A02040204020203" pitchFamily="34" charset="0"/>
                 <a:cs typeface="Times New Roman" panose="02020603050405020304" pitchFamily="18" charset="0"/>
               </a:rPr>
               <a:t>AT Command</a:t>
             </a:r>
-            <a:endParaRPr lang="en-US" sz="5000" b="1">
-              <a:solidFill>
-                <a:srgbClr val="FF0000"/>
-              </a:solidFill>
-              <a:latin typeface="Times New Roman" panose="02020603050405020304" pitchFamily="18" charset="0"/>
-              <a:cs typeface="Times New Roman" panose="02020603050405020304" pitchFamily="18" charset="0"/>
-            </a:endParaRPr>
           </a:p>
         </p:txBody>
       </p:sp>
@@ -6147,7 +5938,7 @@
         <p:spPr>
           <a:xfrm>
             <a:off x="1975944" y="1828615"/>
-            <a:ext cx="2744101" cy="477054"/>
+            <a:ext cx="2744101" cy="400110"/>
           </a:xfrm>
           <a:prstGeom prst="rect">
             <a:avLst/>
@@ -6168,14 +5959,56 @@
           <a:lstStyle/>
           <a:p>
             <a:r>
-              <a:rPr lang="en-US" sz="2500" b="1" smtClean="0">
-                <a:latin typeface="Times New Roman" panose="02020603050405020304" pitchFamily="18" charset="0"/>
-                <a:cs typeface="Times New Roman" panose="02020603050405020304" pitchFamily="18" charset="0"/>
-              </a:rPr>
-              <a:t>Kết nối phần cứng</a:t>
-            </a:r>
-            <a:endParaRPr lang="en-US" sz="2500" b="1">
-              <a:latin typeface="Times New Roman" panose="02020603050405020304" pitchFamily="18" charset="0"/>
+              <a:rPr lang="en-US" sz="2000" b="1" dirty="0" err="1">
+                <a:latin typeface="Segoe UI Black" panose="020B0A02040204020203" pitchFamily="34" charset="0"/>
+                <a:cs typeface="Times New Roman" panose="02020603050405020304" pitchFamily="18" charset="0"/>
+              </a:rPr>
+              <a:t>Kết</a:t>
+            </a:r>
+            <a:r>
+              <a:rPr lang="en-US" sz="2000" b="1" dirty="0">
+                <a:latin typeface="Segoe UI Black" panose="020B0A02040204020203" pitchFamily="34" charset="0"/>
+                <a:cs typeface="Times New Roman" panose="02020603050405020304" pitchFamily="18" charset="0"/>
+              </a:rPr>
+              <a:t> </a:t>
+            </a:r>
+            <a:r>
+              <a:rPr lang="en-US" sz="2000" b="1" dirty="0" err="1">
+                <a:latin typeface="Segoe UI Black" panose="020B0A02040204020203" pitchFamily="34" charset="0"/>
+                <a:cs typeface="Times New Roman" panose="02020603050405020304" pitchFamily="18" charset="0"/>
+              </a:rPr>
+              <a:t>nối</a:t>
+            </a:r>
+            <a:r>
+              <a:rPr lang="en-US" sz="2000" b="1" dirty="0">
+                <a:latin typeface="Segoe UI Black" panose="020B0A02040204020203" pitchFamily="34" charset="0"/>
+                <a:cs typeface="Times New Roman" panose="02020603050405020304" pitchFamily="18" charset="0"/>
+              </a:rPr>
+              <a:t> </a:t>
+            </a:r>
+            <a:r>
+              <a:rPr lang="en-US" sz="2000" b="1" dirty="0" err="1">
+                <a:latin typeface="Segoe UI Black" panose="020B0A02040204020203" pitchFamily="34" charset="0"/>
+                <a:cs typeface="Times New Roman" panose="02020603050405020304" pitchFamily="18" charset="0"/>
+              </a:rPr>
+              <a:t>phần</a:t>
+            </a:r>
+            <a:r>
+              <a:rPr lang="en-US" sz="2000" b="1" dirty="0">
+                <a:latin typeface="Segoe UI Black" panose="020B0A02040204020203" pitchFamily="34" charset="0"/>
+                <a:cs typeface="Times New Roman" panose="02020603050405020304" pitchFamily="18" charset="0"/>
+              </a:rPr>
+              <a:t> </a:t>
+            </a:r>
+            <a:r>
+              <a:rPr lang="en-US" sz="2000" b="1" dirty="0" err="1">
+                <a:latin typeface="Segoe UI Black" panose="020B0A02040204020203" pitchFamily="34" charset="0"/>
+                <a:cs typeface="Times New Roman" panose="02020603050405020304" pitchFamily="18" charset="0"/>
+              </a:rPr>
+              <a:t>cứng</a:t>
+            </a:r>
+            <a:endParaRPr lang="en-US" sz="2000" b="1" dirty="0">
+              <a:latin typeface="Segoe UI Black" panose="020B0A02040204020203" pitchFamily="34" charset="0"/>
               <a:cs typeface="Times New Roman" panose="02020603050405020304" pitchFamily="18" charset="0"/>
             </a:endParaRPr>
           </a:p>
@@ -6215,13 +6048,6 @@
   <p:clrMapOvr>
     <a:masterClrMapping/>
   </p:clrMapOvr>
-  <p:timing>
-    <p:tnLst>
-      <p:par>
-        <p:cTn id="1" dur="indefinite" restart="never" nodeType="tmRoot"/>
-      </p:par>
-    </p:tnLst>
-  </p:timing>
 </p:sld>
 </file>
 
@@ -6275,7 +6101,7 @@
         <p:spPr>
           <a:xfrm>
             <a:off x="1755228" y="490573"/>
-            <a:ext cx="10037378" cy="923330"/>
+            <a:ext cx="10037378" cy="553998"/>
           </a:xfrm>
           <a:prstGeom prst="rect">
             <a:avLst/>
@@ -6288,24 +6114,16 @@
           </a:bodyPr>
           <a:lstStyle/>
           <a:p>
-            <a:pPr algn="ctr"/>
-            <a:r>
-              <a:rPr lang="en-US" sz="5400" b="1">
+            <a:r>
+              <a:rPr lang="en-US" sz="3000" b="1" dirty="0">
                 <a:solidFill>
                   <a:srgbClr val="FF0000"/>
                 </a:solidFill>
-                <a:latin typeface="Times New Roman" panose="02020603050405020304" pitchFamily="18" charset="0"/>
+                <a:latin typeface="Segoe UI Black" panose="020B0A02040204020203" pitchFamily="34" charset="0"/>
                 <a:cs typeface="Times New Roman" panose="02020603050405020304" pitchFamily="18" charset="0"/>
               </a:rPr>
               <a:t>AT Command</a:t>
             </a:r>
-            <a:endParaRPr lang="en-US" sz="5000" b="1">
-              <a:solidFill>
-                <a:srgbClr val="FF0000"/>
-              </a:solidFill>
-              <a:latin typeface="Times New Roman" panose="02020603050405020304" pitchFamily="18" charset="0"/>
-              <a:cs typeface="Times New Roman" panose="02020603050405020304" pitchFamily="18" charset="0"/>
-            </a:endParaRPr>
           </a:p>
         </p:txBody>
       </p:sp>
@@ -6317,8 +6135,8 @@
         </p:nvSpPr>
         <p:spPr>
           <a:xfrm>
-            <a:off x="1975945" y="1828615"/>
-            <a:ext cx="1011096" cy="477054"/>
+            <a:off x="2096714" y="1703204"/>
+            <a:ext cx="1655776" cy="477054"/>
           </a:xfrm>
           <a:prstGeom prst="rect">
             <a:avLst/>
@@ -6339,16 +6157,19 @@
           <a:lstStyle/>
           <a:p>
             <a:r>
-              <a:rPr lang="en-US" sz="2500" b="1" smtClean="0">
-                <a:latin typeface="Times New Roman" panose="02020603050405020304" pitchFamily="18" charset="0"/>
-                <a:cs typeface="Times New Roman" panose="02020603050405020304" pitchFamily="18" charset="0"/>
-              </a:rPr>
-              <a:t>Lưu ý</a:t>
-            </a:r>
-            <a:endParaRPr lang="en-US" sz="2500" b="1">
-              <a:latin typeface="Times New Roman" panose="02020603050405020304" pitchFamily="18" charset="0"/>
-              <a:cs typeface="Times New Roman" panose="02020603050405020304" pitchFamily="18" charset="0"/>
-            </a:endParaRPr>
+              <a:rPr lang="en-US" sz="2500" b="1" dirty="0" err="1">
+                <a:latin typeface="Segoe UI Black" panose="020B0A02040204020203" pitchFamily="34" charset="0"/>
+                <a:cs typeface="Times New Roman" panose="02020603050405020304" pitchFamily="18" charset="0"/>
+              </a:rPr>
+              <a:t>Lưu</a:t>
+            </a:r>
+            <a:r>
+              <a:rPr lang="en-US" sz="2500" b="1" dirty="0">
+                <a:latin typeface="Segoe UI Black" panose="020B0A02040204020203" pitchFamily="34" charset="0"/>
+                <a:cs typeface="Times New Roman" panose="02020603050405020304" pitchFamily="18" charset="0"/>
+              </a:rPr>
+              <a:t> ý</a:t>
+            </a:r>
           </a:p>
         </p:txBody>
       </p:sp>
@@ -6361,7 +6182,7 @@
         <p:spPr>
           <a:xfrm>
             <a:off x="1645920" y="2429692"/>
-            <a:ext cx="3683726" cy="3785652"/>
+            <a:ext cx="3683726" cy="4401205"/>
           </a:xfrm>
           <a:prstGeom prst="rect">
             <a:avLst/>
@@ -6379,8 +6200,8 @@
               <a:buChar char="•"/>
             </a:pPr>
             <a:r>
-              <a:rPr lang="vi-VN" sz="2000">
-                <a:latin typeface="+mj-lt"/>
+              <a:rPr lang="vi-VN" sz="2000" dirty="0">
+                <a:latin typeface="Segoe UI Black" panose="020B0A02040204020203" pitchFamily="34" charset="0"/>
               </a:rPr>
               <a:t>Tốc độ giao tiếp mặc định(Baud rate): 9600 hoặc 115200</a:t>
             </a:r>
@@ -6391,8 +6212,8 @@
               <a:buChar char="•"/>
             </a:pPr>
             <a:r>
-              <a:rPr lang="vi-VN" sz="2000">
-                <a:latin typeface="+mj-lt"/>
+              <a:rPr lang="vi-VN" sz="2000" dirty="0">
+                <a:latin typeface="Segoe UI Black" panose="020B0A02040204020203" pitchFamily="34" charset="0"/>
               </a:rPr>
               <a:t>Các lệnh AT nên được viết hoa</a:t>
             </a:r>
@@ -6403,28 +6224,10 @@
               <a:buChar char="•"/>
             </a:pPr>
             <a:r>
-              <a:rPr lang="vi-VN" sz="2000">
-                <a:latin typeface="+mj-lt"/>
-              </a:rPr>
-              <a:t>Các lệnh AT phải được kết thúc bởi 2 dấu </a:t>
-            </a:r>
-            <a:r>
-              <a:rPr lang="vi-VN" sz="2000">
-                <a:latin typeface="+mj-lt"/>
-              </a:rPr>
-              <a:t>CR </a:t>
-            </a:r>
-            <a:r>
-              <a:rPr lang="vi-VN" sz="2000" smtClean="0">
-                <a:latin typeface="+mj-lt"/>
-              </a:rPr>
-              <a:t>(\r</a:t>
-            </a:r>
-            <a:r>
-              <a:rPr lang="vi-VN" sz="2000">
-                <a:latin typeface="+mj-lt"/>
-              </a:rPr>
-              <a:t>) + LF(\n), tương đương với 2 byte 0x0D + 0x0A</a:t>
+              <a:rPr lang="vi-VN" sz="2000" dirty="0">
+                <a:latin typeface="Segoe UI Black" panose="020B0A02040204020203" pitchFamily="34" charset="0"/>
+              </a:rPr>
+              <a:t>Các lệnh AT phải được kết thúc bởi 2 dấu CR (\r) + LF(\n), tương đương với 2 byte 0x0D + 0x0A</a:t>
             </a:r>
           </a:p>
           <a:p>
@@ -6433,26 +6236,11 @@
               <a:buChar char="•"/>
             </a:pPr>
             <a:r>
-              <a:rPr lang="vi-VN" sz="2000">
-                <a:latin typeface="+mj-lt"/>
-              </a:rPr>
-              <a:t>Việc cài đặt các kết nối wifi sẽ tự động được lưu lại và không phải cài đặt lại khi reset </a:t>
-            </a:r>
-            <a:r>
-              <a:rPr lang="vi-VN" sz="2000">
-                <a:latin typeface="+mj-lt"/>
-              </a:rPr>
-              <a:t>module</a:t>
-            </a:r>
-            <a:r>
-              <a:rPr lang="vi-VN" sz="2000" smtClean="0">
-                <a:latin typeface="+mj-lt"/>
-              </a:rPr>
-              <a:t>.</a:t>
-            </a:r>
-            <a:endParaRPr lang="vi-VN" sz="2000">
-              <a:latin typeface="+mj-lt"/>
-            </a:endParaRPr>
+              <a:rPr lang="vi-VN" sz="2000" dirty="0">
+                <a:latin typeface="Segoe UI Black" panose="020B0A02040204020203" pitchFamily="34" charset="0"/>
+              </a:rPr>
+              <a:t>Việc cài đặt các kết nối wifi sẽ tự động được lưu lại và không phải cài đặt lại khi reset module.</a:t>
+            </a:r>
           </a:p>
         </p:txBody>
       </p:sp>
@@ -6466,13 +6254,6 @@
   <p:clrMapOvr>
     <a:masterClrMapping/>
   </p:clrMapOvr>
-  <p:timing>
-    <p:tnLst>
-      <p:par>
-        <p:cTn id="1" dur="indefinite" restart="never" nodeType="tmRoot"/>
-      </p:par>
-    </p:tnLst>
-  </p:timing>
 </p:sld>
 </file>
 
@@ -6502,7 +6283,7 @@
         <p:spPr>
           <a:xfrm>
             <a:off x="1755228" y="490573"/>
-            <a:ext cx="10037378" cy="923330"/>
+            <a:ext cx="10037378" cy="553998"/>
           </a:xfrm>
           <a:prstGeom prst="rect">
             <a:avLst/>
@@ -6515,24 +6296,16 @@
           </a:bodyPr>
           <a:lstStyle/>
           <a:p>
-            <a:pPr algn="ctr"/>
-            <a:r>
-              <a:rPr lang="en-US" sz="5400" b="1">
+            <a:r>
+              <a:rPr lang="en-US" sz="3000" b="1" dirty="0">
                 <a:solidFill>
                   <a:srgbClr val="FF0000"/>
                 </a:solidFill>
-                <a:latin typeface="Times New Roman" panose="02020603050405020304" pitchFamily="18" charset="0"/>
+                <a:latin typeface="Segoe UI Black" panose="020B0A02040204020203" pitchFamily="34" charset="0"/>
                 <a:cs typeface="Times New Roman" panose="02020603050405020304" pitchFamily="18" charset="0"/>
               </a:rPr>
               <a:t>AT Command</a:t>
             </a:r>
-            <a:endParaRPr lang="en-US" sz="5000" b="1">
-              <a:solidFill>
-                <a:srgbClr val="FF0000"/>
-              </a:solidFill>
-              <a:latin typeface="Times New Roman" panose="02020603050405020304" pitchFamily="18" charset="0"/>
-              <a:cs typeface="Times New Roman" panose="02020603050405020304" pitchFamily="18" charset="0"/>
-            </a:endParaRPr>
           </a:p>
         </p:txBody>
       </p:sp>
@@ -6545,7 +6318,7 @@
         <p:spPr>
           <a:xfrm>
             <a:off x="1975944" y="1828615"/>
-            <a:ext cx="2900855" cy="477054"/>
+            <a:ext cx="3536335" cy="400110"/>
           </a:xfrm>
           <a:prstGeom prst="rect">
             <a:avLst/>
@@ -6566,16 +6339,19 @@
           <a:lstStyle/>
           <a:p>
             <a:r>
-              <a:rPr lang="en-US" sz="2500" b="1" smtClean="0">
-                <a:latin typeface="Times New Roman" panose="02020603050405020304" pitchFamily="18" charset="0"/>
-                <a:cs typeface="Times New Roman" panose="02020603050405020304" pitchFamily="18" charset="0"/>
-              </a:rPr>
-              <a:t>Lệnh AT Command</a:t>
-            </a:r>
-            <a:endParaRPr lang="en-US" sz="2500" b="1">
-              <a:latin typeface="Times New Roman" panose="02020603050405020304" pitchFamily="18" charset="0"/>
-              <a:cs typeface="Times New Roman" panose="02020603050405020304" pitchFamily="18" charset="0"/>
-            </a:endParaRPr>
+              <a:rPr lang="en-US" sz="2000" b="1" dirty="0" err="1">
+                <a:latin typeface="Segoe UI Black" panose="020B0A02040204020203" pitchFamily="34" charset="0"/>
+                <a:cs typeface="Times New Roman" panose="02020603050405020304" pitchFamily="18" charset="0"/>
+              </a:rPr>
+              <a:t>Lệnh</a:t>
+            </a:r>
+            <a:r>
+              <a:rPr lang="en-US" sz="2000" b="1" dirty="0">
+                <a:latin typeface="Segoe UI Black" panose="020B0A02040204020203" pitchFamily="34" charset="0"/>
+                <a:cs typeface="Times New Roman" panose="02020603050405020304" pitchFamily="18" charset="0"/>
+              </a:rPr>
+              <a:t> AT Command</a:t>
+            </a:r>
           </a:p>
         </p:txBody>
       </p:sp>
@@ -6588,7 +6364,7 @@
         <p:spPr>
           <a:xfrm>
             <a:off x="1975944" y="2429692"/>
-            <a:ext cx="3353702" cy="477054"/>
+            <a:ext cx="3353702" cy="400110"/>
           </a:xfrm>
           <a:prstGeom prst="rect">
             <a:avLst/>
@@ -6602,37 +6378,47 @@
           <a:lstStyle/>
           <a:p>
             <a:r>
-              <a:rPr lang="en-US" sz="2500" b="1">
-                <a:latin typeface="Times New Roman" panose="02020603050405020304" pitchFamily="18" charset="0"/>
-                <a:cs typeface="Times New Roman" panose="02020603050405020304" pitchFamily="18" charset="0"/>
-              </a:rPr>
-              <a:t>Các </a:t>
-            </a:r>
-            <a:r>
-              <a:rPr lang="en-US" sz="2500" b="1" smtClean="0">
-                <a:latin typeface="Times New Roman" panose="02020603050405020304" pitchFamily="18" charset="0"/>
-                <a:cs typeface="Times New Roman" panose="02020603050405020304" pitchFamily="18" charset="0"/>
-              </a:rPr>
-              <a:t>lệnh </a:t>
-            </a:r>
-            <a:r>
-              <a:rPr lang="en-US" sz="2500" b="1">
-                <a:latin typeface="Times New Roman" panose="02020603050405020304" pitchFamily="18" charset="0"/>
-                <a:cs typeface="Times New Roman" panose="02020603050405020304" pitchFamily="18" charset="0"/>
-              </a:rPr>
-              <a:t>AT </a:t>
-            </a:r>
-            <a:r>
-              <a:rPr lang="en-US" sz="2500" b="1" smtClean="0">
-                <a:latin typeface="Times New Roman" panose="02020603050405020304" pitchFamily="18" charset="0"/>
-                <a:cs typeface="Times New Roman" panose="02020603050405020304" pitchFamily="18" charset="0"/>
-              </a:rPr>
-              <a:t>chung:</a:t>
-            </a:r>
-            <a:endParaRPr lang="en-US" sz="2500" b="1">
-              <a:latin typeface="Times New Roman" panose="02020603050405020304" pitchFamily="18" charset="0"/>
-              <a:cs typeface="Times New Roman" panose="02020603050405020304" pitchFamily="18" charset="0"/>
-            </a:endParaRPr>
+              <a:rPr lang="en-US" sz="2000" b="1" dirty="0" err="1">
+                <a:latin typeface="Segoe UI Black" panose="020B0A02040204020203" pitchFamily="34" charset="0"/>
+                <a:cs typeface="Times New Roman" panose="02020603050405020304" pitchFamily="18" charset="0"/>
+              </a:rPr>
+              <a:t>Các</a:t>
+            </a:r>
+            <a:r>
+              <a:rPr lang="en-US" sz="2000" b="1" dirty="0">
+                <a:latin typeface="Segoe UI Black" panose="020B0A02040204020203" pitchFamily="34" charset="0"/>
+                <a:cs typeface="Times New Roman" panose="02020603050405020304" pitchFamily="18" charset="0"/>
+              </a:rPr>
+              <a:t> </a:t>
+            </a:r>
+            <a:r>
+              <a:rPr lang="en-US" sz="2000" b="1" dirty="0" err="1">
+                <a:latin typeface="Segoe UI Black" panose="020B0A02040204020203" pitchFamily="34" charset="0"/>
+                <a:cs typeface="Times New Roman" panose="02020603050405020304" pitchFamily="18" charset="0"/>
+              </a:rPr>
+              <a:t>lệnh</a:t>
+            </a:r>
+            <a:r>
+              <a:rPr lang="en-US" sz="2000" b="1" dirty="0">
+                <a:latin typeface="Segoe UI Black" panose="020B0A02040204020203" pitchFamily="34" charset="0"/>
+                <a:cs typeface="Times New Roman" panose="02020603050405020304" pitchFamily="18" charset="0"/>
+              </a:rPr>
+              <a:t> AT </a:t>
+            </a:r>
+            <a:r>
+              <a:rPr lang="en-US" sz="2000" b="1" dirty="0" err="1">
+                <a:latin typeface="Segoe UI Black" panose="020B0A02040204020203" pitchFamily="34" charset="0"/>
+                <a:cs typeface="Times New Roman" panose="02020603050405020304" pitchFamily="18" charset="0"/>
+              </a:rPr>
+              <a:t>chung</a:t>
+            </a:r>
+            <a:r>
+              <a:rPr lang="en-US" sz="2000" b="1" dirty="0">
+                <a:latin typeface="Segoe UI Black" panose="020B0A02040204020203" pitchFamily="34" charset="0"/>
+                <a:cs typeface="Times New Roman" panose="02020603050405020304" pitchFamily="18" charset="0"/>
+              </a:rPr>
+              <a:t>:</a:t>
+            </a:r>
           </a:p>
         </p:txBody>
       </p:sp>
@@ -6670,13 +6456,6 @@
   <p:clrMapOvr>
     <a:masterClrMapping/>
   </p:clrMapOvr>
-  <p:timing>
-    <p:tnLst>
-      <p:par>
-        <p:cTn id="1" dur="indefinite" restart="never" nodeType="tmRoot"/>
-      </p:par>
-    </p:tnLst>
-  </p:timing>
 </p:sld>
 </file>
 
@@ -6706,7 +6485,7 @@
         <p:spPr>
           <a:xfrm>
             <a:off x="1755228" y="490573"/>
-            <a:ext cx="10037378" cy="923330"/>
+            <a:ext cx="10037378" cy="553998"/>
           </a:xfrm>
           <a:prstGeom prst="rect">
             <a:avLst/>
@@ -6719,24 +6498,16 @@
           </a:bodyPr>
           <a:lstStyle/>
           <a:p>
-            <a:pPr algn="ctr"/>
-            <a:r>
-              <a:rPr lang="en-US" sz="5400" b="1">
+            <a:r>
+              <a:rPr lang="en-US" sz="3000" b="1" dirty="0">
                 <a:solidFill>
                   <a:srgbClr val="FF0000"/>
                 </a:solidFill>
-                <a:latin typeface="Times New Roman" panose="02020603050405020304" pitchFamily="18" charset="0"/>
+                <a:latin typeface="Segoe UI Black" panose="020B0A02040204020203" pitchFamily="34" charset="0"/>
                 <a:cs typeface="Times New Roman" panose="02020603050405020304" pitchFamily="18" charset="0"/>
               </a:rPr>
               <a:t>AT Command</a:t>
             </a:r>
-            <a:endParaRPr lang="en-US" sz="5000" b="1">
-              <a:solidFill>
-                <a:srgbClr val="FF0000"/>
-              </a:solidFill>
-              <a:latin typeface="Times New Roman" panose="02020603050405020304" pitchFamily="18" charset="0"/>
-              <a:cs typeface="Times New Roman" panose="02020603050405020304" pitchFamily="18" charset="0"/>
-            </a:endParaRPr>
           </a:p>
         </p:txBody>
       </p:sp>
@@ -6749,7 +6520,7 @@
         <p:spPr>
           <a:xfrm>
             <a:off x="1975944" y="1828615"/>
-            <a:ext cx="2900855" cy="477054"/>
+            <a:ext cx="5132222" cy="400110"/>
           </a:xfrm>
           <a:prstGeom prst="rect">
             <a:avLst/>
@@ -6770,16 +6541,19 @@
           <a:lstStyle/>
           <a:p>
             <a:r>
-              <a:rPr lang="en-US" sz="2500" b="1" smtClean="0">
-                <a:latin typeface="Times New Roman" panose="02020603050405020304" pitchFamily="18" charset="0"/>
-                <a:cs typeface="Times New Roman" panose="02020603050405020304" pitchFamily="18" charset="0"/>
-              </a:rPr>
-              <a:t>Lệnh AT Command</a:t>
-            </a:r>
-            <a:endParaRPr lang="en-US" sz="2500" b="1">
-              <a:latin typeface="Times New Roman" panose="02020603050405020304" pitchFamily="18" charset="0"/>
-              <a:cs typeface="Times New Roman" panose="02020603050405020304" pitchFamily="18" charset="0"/>
-            </a:endParaRPr>
+              <a:rPr lang="en-US" sz="2000" b="1" dirty="0" err="1">
+                <a:latin typeface="Segoe UI Black" panose="020B0A02040204020203" pitchFamily="34" charset="0"/>
+                <a:cs typeface="Times New Roman" panose="02020603050405020304" pitchFamily="18" charset="0"/>
+              </a:rPr>
+              <a:t>Lệnh</a:t>
+            </a:r>
+            <a:r>
+              <a:rPr lang="en-US" sz="2000" b="1" dirty="0">
+                <a:latin typeface="Segoe UI Black" panose="020B0A02040204020203" pitchFamily="34" charset="0"/>
+                <a:cs typeface="Times New Roman" panose="02020603050405020304" pitchFamily="18" charset="0"/>
+              </a:rPr>
+              <a:t> AT Command</a:t>
+            </a:r>
           </a:p>
         </p:txBody>
       </p:sp>
@@ -6792,7 +6566,7 @@
         <p:spPr>
           <a:xfrm>
             <a:off x="1975944" y="2393806"/>
-            <a:ext cx="4938662" cy="477054"/>
+            <a:ext cx="4938662" cy="400110"/>
           </a:xfrm>
           <a:prstGeom prst="rect">
             <a:avLst/>
@@ -6806,12 +6580,72 @@
           <a:lstStyle/>
           <a:p>
             <a:r>
-              <a:rPr lang="en-US" sz="2500" b="1">
-                <a:latin typeface="Times New Roman" panose="02020603050405020304" pitchFamily="18" charset="0"/>
-                <a:cs typeface="Times New Roman" panose="02020603050405020304" pitchFamily="18" charset="0"/>
-              </a:rPr>
-              <a:t>Các lệnh AT cấu hình Module Wifi</a:t>
-            </a:r>
+              <a:rPr lang="en-US" sz="2000" b="1" dirty="0" err="1">
+                <a:latin typeface="Segoe UI Black" panose="020B0A02040204020203" pitchFamily="34" charset="0"/>
+                <a:cs typeface="Times New Roman" panose="02020603050405020304" pitchFamily="18" charset="0"/>
+              </a:rPr>
+              <a:t>Các</a:t>
+            </a:r>
+            <a:r>
+              <a:rPr lang="en-US" sz="2000" b="1" dirty="0">
+                <a:latin typeface="Segoe UI Black" panose="020B0A02040204020203" pitchFamily="34" charset="0"/>
+                <a:cs typeface="Times New Roman" panose="02020603050405020304" pitchFamily="18" charset="0"/>
+              </a:rPr>
+              <a:t> </a:t>
+            </a:r>
+            <a:r>
+              <a:rPr lang="en-US" sz="2000" b="1" dirty="0" err="1">
+                <a:latin typeface="Segoe UI Black" panose="020B0A02040204020203" pitchFamily="34" charset="0"/>
+                <a:cs typeface="Times New Roman" panose="02020603050405020304" pitchFamily="18" charset="0"/>
+              </a:rPr>
+              <a:t>lệnh</a:t>
+            </a:r>
+            <a:r>
+              <a:rPr lang="en-US" sz="2000" b="1" dirty="0">
+                <a:latin typeface="Segoe UI Black" panose="020B0A02040204020203" pitchFamily="34" charset="0"/>
+                <a:cs typeface="Times New Roman" panose="02020603050405020304" pitchFamily="18" charset="0"/>
+              </a:rPr>
+              <a:t> AT </a:t>
+            </a:r>
+            <a:r>
+              <a:rPr lang="en-US" sz="2000" b="1" dirty="0" err="1">
+                <a:latin typeface="Segoe UI Black" panose="020B0A02040204020203" pitchFamily="34" charset="0"/>
+                <a:cs typeface="Times New Roman" panose="02020603050405020304" pitchFamily="18" charset="0"/>
+              </a:rPr>
+              <a:t>cấu</a:t>
+            </a:r>
+            <a:r>
+              <a:rPr lang="en-US" sz="2000" b="1" dirty="0">
+                <a:latin typeface="Segoe UI Black" panose="020B0A02040204020203" pitchFamily="34" charset="0"/>
+                <a:cs typeface="Times New Roman" panose="02020603050405020304" pitchFamily="18" charset="0"/>
+              </a:rPr>
+              <a:t> </a:t>
+            </a:r>
+            <a:r>
+              <a:rPr lang="en-US" sz="2000" b="1" dirty="0" err="1">
+                <a:latin typeface="Segoe UI Black" panose="020B0A02040204020203" pitchFamily="34" charset="0"/>
+                <a:cs typeface="Times New Roman" panose="02020603050405020304" pitchFamily="18" charset="0"/>
+              </a:rPr>
+              <a:t>hình</a:t>
+            </a:r>
+            <a:r>
+              <a:rPr lang="en-US" sz="2000" b="1" dirty="0">
+                <a:latin typeface="Segoe UI Black" panose="020B0A02040204020203" pitchFamily="34" charset="0"/>
+                <a:cs typeface="Times New Roman" panose="02020603050405020304" pitchFamily="18" charset="0"/>
+              </a:rPr>
+              <a:t> Module </a:t>
+            </a:r>
+            <a:r>
+              <a:rPr lang="en-US" sz="2000" b="1" dirty="0" err="1">
+                <a:latin typeface="Segoe UI Black" panose="020B0A02040204020203" pitchFamily="34" charset="0"/>
+                <a:cs typeface="Times New Roman" panose="02020603050405020304" pitchFamily="18" charset="0"/>
+              </a:rPr>
+              <a:t>Wifi</a:t>
+            </a:r>
+            <a:endParaRPr lang="en-US" sz="2000" b="1" dirty="0">
+              <a:latin typeface="Segoe UI Black" panose="020B0A02040204020203" pitchFamily="34" charset="0"/>
+              <a:cs typeface="Times New Roman" panose="02020603050405020304" pitchFamily="18" charset="0"/>
+            </a:endParaRPr>
           </a:p>
         </p:txBody>
       </p:sp>
@@ -6849,13 +6683,6 @@
   <p:clrMapOvr>
     <a:masterClrMapping/>
   </p:clrMapOvr>
-  <p:timing>
-    <p:tnLst>
-      <p:par>
-        <p:cTn id="1" dur="indefinite" restart="never" nodeType="tmRoot"/>
-      </p:par>
-    </p:tnLst>
-  </p:timing>
 </p:sld>
 </file>
 
